--- a/figures/Fig7_shifting_dist_approaches.pptx
+++ b/figures/Fig7_shifting_dist_approaches.pptx
@@ -4,8 +4,12 @@
   <p:sldMasterIdLst>
     <p:sldMasterId id="2147483648" r:id="rId1"/>
   </p:sldMasterIdLst>
+  <p:notesMasterIdLst>
+    <p:notesMasterId r:id="rId4"/>
+  </p:notesMasterIdLst>
   <p:sldIdLst>
     <p:sldId id="256" r:id="rId2"/>
+    <p:sldId id="257" r:id="rId3"/>
   </p:sldIdLst>
   <p:sldSz cx="12192000" cy="6858000"/>
   <p:notesSz cx="6858000" cy="9144000"/>
@@ -112,6 +116,439 @@
 </p:presentation>
 </file>
 
+<file path=ppt/notesMasters/notesMaster1.xml><?xml version="1.0" encoding="utf-8"?>
+<p:notesMaster xmlns:a="http://schemas.openxmlformats.org/drawingml/2006/main" xmlns:r="http://schemas.openxmlformats.org/officeDocument/2006/relationships" xmlns:p="http://schemas.openxmlformats.org/presentationml/2006/main">
+  <p:cSld>
+    <p:bg>
+      <p:bgRef idx="1001">
+        <a:schemeClr val="bg1"/>
+      </p:bgRef>
+    </p:bg>
+    <p:spTree>
+      <p:nvGrpSpPr>
+        <p:cNvPr id="1" name=""/>
+        <p:cNvGrpSpPr/>
+        <p:nvPr/>
+      </p:nvGrpSpPr>
+      <p:grpSpPr>
+        <a:xfrm>
+          <a:off x="0" y="0"/>
+          <a:ext cx="0" cy="0"/>
+          <a:chOff x="0" y="0"/>
+          <a:chExt cx="0" cy="0"/>
+        </a:xfrm>
+      </p:grpSpPr>
+      <p:sp>
+        <p:nvSpPr>
+          <p:cNvPr id="2" name="Header Placeholder 1"/>
+          <p:cNvSpPr>
+            <a:spLocks noGrp="1"/>
+          </p:cNvSpPr>
+          <p:nvPr>
+            <p:ph type="hdr" sz="quarter"/>
+          </p:nvPr>
+        </p:nvSpPr>
+        <p:spPr>
+          <a:xfrm>
+            <a:off x="0" y="0"/>
+            <a:ext cx="2971800" cy="458788"/>
+          </a:xfrm>
+          <a:prstGeom prst="rect">
+            <a:avLst/>
+          </a:prstGeom>
+        </p:spPr>
+        <p:txBody>
+          <a:bodyPr vert="horz" lIns="91440" tIns="45720" rIns="91440" bIns="45720" rtlCol="0"/>
+          <a:lstStyle>
+            <a:lvl1pPr algn="l">
+              <a:defRPr sz="1200"/>
+            </a:lvl1pPr>
+          </a:lstStyle>
+          <a:p>
+            <a:endParaRPr lang="en-US"/>
+          </a:p>
+        </p:txBody>
+      </p:sp>
+      <p:sp>
+        <p:nvSpPr>
+          <p:cNvPr id="3" name="Date Placeholder 2"/>
+          <p:cNvSpPr>
+            <a:spLocks noGrp="1"/>
+          </p:cNvSpPr>
+          <p:nvPr>
+            <p:ph type="dt" idx="1"/>
+          </p:nvPr>
+        </p:nvSpPr>
+        <p:spPr>
+          <a:xfrm>
+            <a:off x="3884613" y="0"/>
+            <a:ext cx="2971800" cy="458788"/>
+          </a:xfrm>
+          <a:prstGeom prst="rect">
+            <a:avLst/>
+          </a:prstGeom>
+        </p:spPr>
+        <p:txBody>
+          <a:bodyPr vert="horz" lIns="91440" tIns="45720" rIns="91440" bIns="45720" rtlCol="0"/>
+          <a:lstStyle>
+            <a:lvl1pPr algn="r">
+              <a:defRPr sz="1200"/>
+            </a:lvl1pPr>
+          </a:lstStyle>
+          <a:p>
+            <a:fld id="{B03561BB-84AF-ED42-862E-1836A7BBC8A0}" type="datetimeFigureOut">
+              <a:rPr lang="en-US" smtClean="0"/>
+              <a:t>9/9/24</a:t>
+            </a:fld>
+            <a:endParaRPr lang="en-US"/>
+          </a:p>
+        </p:txBody>
+      </p:sp>
+      <p:sp>
+        <p:nvSpPr>
+          <p:cNvPr id="4" name="Slide Image Placeholder 3"/>
+          <p:cNvSpPr>
+            <a:spLocks noGrp="1" noRot="1" noChangeAspect="1"/>
+          </p:cNvSpPr>
+          <p:nvPr>
+            <p:ph type="sldImg" idx="2"/>
+          </p:nvPr>
+        </p:nvSpPr>
+        <p:spPr>
+          <a:xfrm>
+            <a:off x="685800" y="1143000"/>
+            <a:ext cx="5486400" cy="3086100"/>
+          </a:xfrm>
+          <a:prstGeom prst="rect">
+            <a:avLst/>
+          </a:prstGeom>
+          <a:noFill/>
+          <a:ln w="12700">
+            <a:solidFill>
+              <a:prstClr val="black"/>
+            </a:solidFill>
+          </a:ln>
+        </p:spPr>
+        <p:txBody>
+          <a:bodyPr vert="horz" lIns="91440" tIns="45720" rIns="91440" bIns="45720" rtlCol="0" anchor="ctr"/>
+          <a:lstStyle/>
+          <a:p>
+            <a:endParaRPr lang="en-US"/>
+          </a:p>
+        </p:txBody>
+      </p:sp>
+      <p:sp>
+        <p:nvSpPr>
+          <p:cNvPr id="5" name="Notes Placeholder 4"/>
+          <p:cNvSpPr>
+            <a:spLocks noGrp="1"/>
+          </p:cNvSpPr>
+          <p:nvPr>
+            <p:ph type="body" sz="quarter" idx="3"/>
+          </p:nvPr>
+        </p:nvSpPr>
+        <p:spPr>
+          <a:xfrm>
+            <a:off x="685800" y="4400550"/>
+            <a:ext cx="5486400" cy="3600450"/>
+          </a:xfrm>
+          <a:prstGeom prst="rect">
+            <a:avLst/>
+          </a:prstGeom>
+        </p:spPr>
+        <p:txBody>
+          <a:bodyPr vert="horz" lIns="91440" tIns="45720" rIns="91440" bIns="45720" rtlCol="0"/>
+          <a:lstStyle/>
+          <a:p>
+            <a:pPr lvl="0"/>
+            <a:r>
+              <a:rPr lang="en-US"/>
+              <a:t>Click to edit Master text styles</a:t>
+            </a:r>
+          </a:p>
+          <a:p>
+            <a:pPr lvl="1"/>
+            <a:r>
+              <a:rPr lang="en-US"/>
+              <a:t>Second level</a:t>
+            </a:r>
+          </a:p>
+          <a:p>
+            <a:pPr lvl="2"/>
+            <a:r>
+              <a:rPr lang="en-US"/>
+              <a:t>Third level</a:t>
+            </a:r>
+          </a:p>
+          <a:p>
+            <a:pPr lvl="3"/>
+            <a:r>
+              <a:rPr lang="en-US"/>
+              <a:t>Fourth level</a:t>
+            </a:r>
+          </a:p>
+          <a:p>
+            <a:pPr lvl="4"/>
+            <a:r>
+              <a:rPr lang="en-US"/>
+              <a:t>Fifth level</a:t>
+            </a:r>
+          </a:p>
+        </p:txBody>
+      </p:sp>
+      <p:sp>
+        <p:nvSpPr>
+          <p:cNvPr id="6" name="Footer Placeholder 5"/>
+          <p:cNvSpPr>
+            <a:spLocks noGrp="1"/>
+          </p:cNvSpPr>
+          <p:nvPr>
+            <p:ph type="ftr" sz="quarter" idx="4"/>
+          </p:nvPr>
+        </p:nvSpPr>
+        <p:spPr>
+          <a:xfrm>
+            <a:off x="0" y="8685213"/>
+            <a:ext cx="2971800" cy="458787"/>
+          </a:xfrm>
+          <a:prstGeom prst="rect">
+            <a:avLst/>
+          </a:prstGeom>
+        </p:spPr>
+        <p:txBody>
+          <a:bodyPr vert="horz" lIns="91440" tIns="45720" rIns="91440" bIns="45720" rtlCol="0" anchor="b"/>
+          <a:lstStyle>
+            <a:lvl1pPr algn="l">
+              <a:defRPr sz="1200"/>
+            </a:lvl1pPr>
+          </a:lstStyle>
+          <a:p>
+            <a:endParaRPr lang="en-US"/>
+          </a:p>
+        </p:txBody>
+      </p:sp>
+      <p:sp>
+        <p:nvSpPr>
+          <p:cNvPr id="7" name="Slide Number Placeholder 6"/>
+          <p:cNvSpPr>
+            <a:spLocks noGrp="1"/>
+          </p:cNvSpPr>
+          <p:nvPr>
+            <p:ph type="sldNum" sz="quarter" idx="5"/>
+          </p:nvPr>
+        </p:nvSpPr>
+        <p:spPr>
+          <a:xfrm>
+            <a:off x="3884613" y="8685213"/>
+            <a:ext cx="2971800" cy="458787"/>
+          </a:xfrm>
+          <a:prstGeom prst="rect">
+            <a:avLst/>
+          </a:prstGeom>
+        </p:spPr>
+        <p:txBody>
+          <a:bodyPr vert="horz" lIns="91440" tIns="45720" rIns="91440" bIns="45720" rtlCol="0" anchor="b"/>
+          <a:lstStyle>
+            <a:lvl1pPr algn="r">
+              <a:defRPr sz="1200"/>
+            </a:lvl1pPr>
+          </a:lstStyle>
+          <a:p>
+            <a:fld id="{353DB863-6E5B-764E-A4D0-913A4DED45FE}" type="slidenum">
+              <a:rPr lang="en-US" smtClean="0"/>
+              <a:t>‹#›</a:t>
+            </a:fld>
+            <a:endParaRPr lang="en-US"/>
+          </a:p>
+        </p:txBody>
+      </p:sp>
+    </p:spTree>
+    <p:extLst>
+      <p:ext uri="{BB962C8B-B14F-4D97-AF65-F5344CB8AC3E}">
+        <p14:creationId xmlns:p14="http://schemas.microsoft.com/office/powerpoint/2010/main" val="3644772325"/>
+      </p:ext>
+    </p:extLst>
+  </p:cSld>
+  <p:clrMap bg1="lt1" tx1="dk1" bg2="lt2" tx2="dk2" accent1="accent1" accent2="accent2" accent3="accent3" accent4="accent4" accent5="accent5" accent6="accent6" hlink="hlink" folHlink="folHlink"/>
+  <p:notesStyle>
+    <a:lvl1pPr marL="0" algn="l" defTabSz="914400" rtl="0" eaLnBrk="1" latinLnBrk="0" hangingPunct="1">
+      <a:defRPr sz="1200" kern="1200">
+        <a:solidFill>
+          <a:schemeClr val="tx1"/>
+        </a:solidFill>
+        <a:latin typeface="+mn-lt"/>
+        <a:ea typeface="+mn-ea"/>
+        <a:cs typeface="+mn-cs"/>
+      </a:defRPr>
+    </a:lvl1pPr>
+    <a:lvl2pPr marL="457200" algn="l" defTabSz="914400" rtl="0" eaLnBrk="1" latinLnBrk="0" hangingPunct="1">
+      <a:defRPr sz="1200" kern="1200">
+        <a:solidFill>
+          <a:schemeClr val="tx1"/>
+        </a:solidFill>
+        <a:latin typeface="+mn-lt"/>
+        <a:ea typeface="+mn-ea"/>
+        <a:cs typeface="+mn-cs"/>
+      </a:defRPr>
+    </a:lvl2pPr>
+    <a:lvl3pPr marL="914400" algn="l" defTabSz="914400" rtl="0" eaLnBrk="1" latinLnBrk="0" hangingPunct="1">
+      <a:defRPr sz="1200" kern="1200">
+        <a:solidFill>
+          <a:schemeClr val="tx1"/>
+        </a:solidFill>
+        <a:latin typeface="+mn-lt"/>
+        <a:ea typeface="+mn-ea"/>
+        <a:cs typeface="+mn-cs"/>
+      </a:defRPr>
+    </a:lvl3pPr>
+    <a:lvl4pPr marL="1371600" algn="l" defTabSz="914400" rtl="0" eaLnBrk="1" latinLnBrk="0" hangingPunct="1">
+      <a:defRPr sz="1200" kern="1200">
+        <a:solidFill>
+          <a:schemeClr val="tx1"/>
+        </a:solidFill>
+        <a:latin typeface="+mn-lt"/>
+        <a:ea typeface="+mn-ea"/>
+        <a:cs typeface="+mn-cs"/>
+      </a:defRPr>
+    </a:lvl4pPr>
+    <a:lvl5pPr marL="1828800" algn="l" defTabSz="914400" rtl="0" eaLnBrk="1" latinLnBrk="0" hangingPunct="1">
+      <a:defRPr sz="1200" kern="1200">
+        <a:solidFill>
+          <a:schemeClr val="tx1"/>
+        </a:solidFill>
+        <a:latin typeface="+mn-lt"/>
+        <a:ea typeface="+mn-ea"/>
+        <a:cs typeface="+mn-cs"/>
+      </a:defRPr>
+    </a:lvl5pPr>
+    <a:lvl6pPr marL="2286000" algn="l" defTabSz="914400" rtl="0" eaLnBrk="1" latinLnBrk="0" hangingPunct="1">
+      <a:defRPr sz="1200" kern="1200">
+        <a:solidFill>
+          <a:schemeClr val="tx1"/>
+        </a:solidFill>
+        <a:latin typeface="+mn-lt"/>
+        <a:ea typeface="+mn-ea"/>
+        <a:cs typeface="+mn-cs"/>
+      </a:defRPr>
+    </a:lvl6pPr>
+    <a:lvl7pPr marL="2743200" algn="l" defTabSz="914400" rtl="0" eaLnBrk="1" latinLnBrk="0" hangingPunct="1">
+      <a:defRPr sz="1200" kern="1200">
+        <a:solidFill>
+          <a:schemeClr val="tx1"/>
+        </a:solidFill>
+        <a:latin typeface="+mn-lt"/>
+        <a:ea typeface="+mn-ea"/>
+        <a:cs typeface="+mn-cs"/>
+      </a:defRPr>
+    </a:lvl7pPr>
+    <a:lvl8pPr marL="3200400" algn="l" defTabSz="914400" rtl="0" eaLnBrk="1" latinLnBrk="0" hangingPunct="1">
+      <a:defRPr sz="1200" kern="1200">
+        <a:solidFill>
+          <a:schemeClr val="tx1"/>
+        </a:solidFill>
+        <a:latin typeface="+mn-lt"/>
+        <a:ea typeface="+mn-ea"/>
+        <a:cs typeface="+mn-cs"/>
+      </a:defRPr>
+    </a:lvl8pPr>
+    <a:lvl9pPr marL="3657600" algn="l" defTabSz="914400" rtl="0" eaLnBrk="1" latinLnBrk="0" hangingPunct="1">
+      <a:defRPr sz="1200" kern="1200">
+        <a:solidFill>
+          <a:schemeClr val="tx1"/>
+        </a:solidFill>
+        <a:latin typeface="+mn-lt"/>
+        <a:ea typeface="+mn-ea"/>
+        <a:cs typeface="+mn-cs"/>
+      </a:defRPr>
+    </a:lvl9pPr>
+  </p:notesStyle>
+</p:notesMaster>
+</file>
+
+<file path=ppt/notesSlides/notesSlide1.xml><?xml version="1.0" encoding="utf-8"?>
+<p:notes xmlns:a="http://schemas.openxmlformats.org/drawingml/2006/main" xmlns:r="http://schemas.openxmlformats.org/officeDocument/2006/relationships" xmlns:p="http://schemas.openxmlformats.org/presentationml/2006/main">
+  <p:cSld>
+    <p:spTree>
+      <p:nvGrpSpPr>
+        <p:cNvPr id="1" name=""/>
+        <p:cNvGrpSpPr/>
+        <p:nvPr/>
+      </p:nvGrpSpPr>
+      <p:grpSpPr>
+        <a:xfrm>
+          <a:off x="0" y="0"/>
+          <a:ext cx="0" cy="0"/>
+          <a:chOff x="0" y="0"/>
+          <a:chExt cx="0" cy="0"/>
+        </a:xfrm>
+      </p:grpSpPr>
+      <p:sp>
+        <p:nvSpPr>
+          <p:cNvPr id="2" name="Slide Image Placeholder 1"/>
+          <p:cNvSpPr>
+            <a:spLocks noGrp="1" noRot="1" noChangeAspect="1"/>
+          </p:cNvSpPr>
+          <p:nvPr>
+            <p:ph type="sldImg"/>
+          </p:nvPr>
+        </p:nvSpPr>
+        <p:spPr/>
+      </p:sp>
+      <p:sp>
+        <p:nvSpPr>
+          <p:cNvPr id="3" name="Notes Placeholder 2"/>
+          <p:cNvSpPr>
+            <a:spLocks noGrp="1"/>
+          </p:cNvSpPr>
+          <p:nvPr>
+            <p:ph type="body" idx="1"/>
+          </p:nvPr>
+        </p:nvSpPr>
+        <p:spPr/>
+        <p:txBody>
+          <a:bodyPr/>
+          <a:lstStyle/>
+          <a:p>
+            <a:endParaRPr lang="en-US" dirty="0"/>
+          </a:p>
+        </p:txBody>
+      </p:sp>
+      <p:sp>
+        <p:nvSpPr>
+          <p:cNvPr id="4" name="Slide Number Placeholder 3"/>
+          <p:cNvSpPr>
+            <a:spLocks noGrp="1"/>
+          </p:cNvSpPr>
+          <p:nvPr>
+            <p:ph type="sldNum" sz="quarter" idx="5"/>
+          </p:nvPr>
+        </p:nvSpPr>
+        <p:spPr/>
+        <p:txBody>
+          <a:bodyPr/>
+          <a:lstStyle/>
+          <a:p>
+            <a:fld id="{353DB863-6E5B-764E-A4D0-913A4DED45FE}" type="slidenum">
+              <a:rPr lang="en-US" smtClean="0"/>
+              <a:t>1</a:t>
+            </a:fld>
+            <a:endParaRPr lang="en-US"/>
+          </a:p>
+        </p:txBody>
+      </p:sp>
+    </p:spTree>
+    <p:extLst>
+      <p:ext uri="{BB962C8B-B14F-4D97-AF65-F5344CB8AC3E}">
+        <p14:creationId xmlns:p14="http://schemas.microsoft.com/office/powerpoint/2010/main" val="3648236209"/>
+      </p:ext>
+    </p:extLst>
+  </p:cSld>
+  <p:clrMapOvr>
+    <a:masterClrMapping/>
+  </p:clrMapOvr>
+</p:notes>
+</file>
+
 <file path=ppt/slideLayouts/slideLayout1.xml><?xml version="1.0" encoding="utf-8"?>
 <p:sldLayout xmlns:a="http://schemas.openxmlformats.org/drawingml/2006/main" xmlns:r="http://schemas.openxmlformats.org/officeDocument/2006/relationships" xmlns:p="http://schemas.openxmlformats.org/presentationml/2006/main" type="title" preserve="1">
   <p:cSld name="Title Slide">
@@ -259,7 +696,7 @@
           <a:p>
             <a:fld id="{9D780427-7A38-984A-AD6D-5AC4C3D135A3}" type="datetimeFigureOut">
               <a:rPr lang="en-US" smtClean="0"/>
-              <a:t>8/20/24</a:t>
+              <a:t>9/9/24</a:t>
             </a:fld>
             <a:endParaRPr lang="en-US"/>
           </a:p>
@@ -457,7 +894,7 @@
           <a:p>
             <a:fld id="{9D780427-7A38-984A-AD6D-5AC4C3D135A3}" type="datetimeFigureOut">
               <a:rPr lang="en-US" smtClean="0"/>
-              <a:t>8/20/24</a:t>
+              <a:t>9/9/24</a:t>
             </a:fld>
             <a:endParaRPr lang="en-US"/>
           </a:p>
@@ -665,7 +1102,7 @@
           <a:p>
             <a:fld id="{9D780427-7A38-984A-AD6D-5AC4C3D135A3}" type="datetimeFigureOut">
               <a:rPr lang="en-US" smtClean="0"/>
-              <a:t>8/20/24</a:t>
+              <a:t>9/9/24</a:t>
             </a:fld>
             <a:endParaRPr lang="en-US"/>
           </a:p>
@@ -863,7 +1300,7 @@
           <a:p>
             <a:fld id="{9D780427-7A38-984A-AD6D-5AC4C3D135A3}" type="datetimeFigureOut">
               <a:rPr lang="en-US" smtClean="0"/>
-              <a:t>8/20/24</a:t>
+              <a:t>9/9/24</a:t>
             </a:fld>
             <a:endParaRPr lang="en-US"/>
           </a:p>
@@ -1138,7 +1575,7 @@
           <a:p>
             <a:fld id="{9D780427-7A38-984A-AD6D-5AC4C3D135A3}" type="datetimeFigureOut">
               <a:rPr lang="en-US" smtClean="0"/>
-              <a:t>8/20/24</a:t>
+              <a:t>9/9/24</a:t>
             </a:fld>
             <a:endParaRPr lang="en-US"/>
           </a:p>
@@ -1403,7 +1840,7 @@
           <a:p>
             <a:fld id="{9D780427-7A38-984A-AD6D-5AC4C3D135A3}" type="datetimeFigureOut">
               <a:rPr lang="en-US" smtClean="0"/>
-              <a:t>8/20/24</a:t>
+              <a:t>9/9/24</a:t>
             </a:fld>
             <a:endParaRPr lang="en-US"/>
           </a:p>
@@ -1815,7 +2252,7 @@
           <a:p>
             <a:fld id="{9D780427-7A38-984A-AD6D-5AC4C3D135A3}" type="datetimeFigureOut">
               <a:rPr lang="en-US" smtClean="0"/>
-              <a:t>8/20/24</a:t>
+              <a:t>9/9/24</a:t>
             </a:fld>
             <a:endParaRPr lang="en-US"/>
           </a:p>
@@ -1956,7 +2393,7 @@
           <a:p>
             <a:fld id="{9D780427-7A38-984A-AD6D-5AC4C3D135A3}" type="datetimeFigureOut">
               <a:rPr lang="en-US" smtClean="0"/>
-              <a:t>8/20/24</a:t>
+              <a:t>9/9/24</a:t>
             </a:fld>
             <a:endParaRPr lang="en-US"/>
           </a:p>
@@ -2069,7 +2506,7 @@
           <a:p>
             <a:fld id="{9D780427-7A38-984A-AD6D-5AC4C3D135A3}" type="datetimeFigureOut">
               <a:rPr lang="en-US" smtClean="0"/>
-              <a:t>8/20/24</a:t>
+              <a:t>9/9/24</a:t>
             </a:fld>
             <a:endParaRPr lang="en-US"/>
           </a:p>
@@ -2380,7 +2817,7 @@
           <a:p>
             <a:fld id="{9D780427-7A38-984A-AD6D-5AC4C3D135A3}" type="datetimeFigureOut">
               <a:rPr lang="en-US" smtClean="0"/>
-              <a:t>8/20/24</a:t>
+              <a:t>9/9/24</a:t>
             </a:fld>
             <a:endParaRPr lang="en-US"/>
           </a:p>
@@ -2668,7 +3105,7 @@
           <a:p>
             <a:fld id="{9D780427-7A38-984A-AD6D-5AC4C3D135A3}" type="datetimeFigureOut">
               <a:rPr lang="en-US" smtClean="0"/>
-              <a:t>8/20/24</a:t>
+              <a:t>9/9/24</a:t>
             </a:fld>
             <a:endParaRPr lang="en-US"/>
           </a:p>
@@ -2909,7 +3346,7 @@
           <a:p>
             <a:fld id="{9D780427-7A38-984A-AD6D-5AC4C3D135A3}" type="datetimeFigureOut">
               <a:rPr lang="en-US" smtClean="0"/>
-              <a:t>8/20/24</a:t>
+              <a:t>9/9/24</a:t>
             </a:fld>
             <a:endParaRPr lang="en-US"/>
           </a:p>
@@ -3328,10 +3765,10 @@
       </p:grpSpPr>
       <p:pic>
         <p:nvPicPr>
-          <p:cNvPr id="5" name="Picture 4" descr="A map of the united states&#10;&#10;Description automatically generated">
-            <a:extLst>
-              <a:ext uri="{FF2B5EF4-FFF2-40B4-BE49-F238E27FC236}">
-                <a16:creationId xmlns:a16="http://schemas.microsoft.com/office/drawing/2014/main" id="{D81EE667-97F0-849E-431A-CB7675F58BAB}"/>
+          <p:cNvPr id="3" name="Picture 2" descr="A graph of a number of people&#10;&#10;Description automatically generated with medium confidence">
+            <a:extLst>
+              <a:ext uri="{FF2B5EF4-FFF2-40B4-BE49-F238E27FC236}">
+                <a16:creationId xmlns:a16="http://schemas.microsoft.com/office/drawing/2014/main" id="{C776FCA1-496D-8017-CD4B-32A39F8401DE}"/>
               </a:ext>
             </a:extLst>
           </p:cNvPr>
@@ -3341,15 +3778,15 @@
           <p:nvPr/>
         </p:nvPicPr>
         <p:blipFill>
-          <a:blip r:embed="rId2"/>
+          <a:blip r:embed="rId3"/>
           <a:stretch>
             <a:fillRect/>
           </a:stretch>
         </p:blipFill>
         <p:spPr>
           <a:xfrm>
-            <a:off x="502337" y="1698021"/>
-            <a:ext cx="2047719" cy="2799830"/>
+            <a:off x="0" y="-1"/>
+            <a:ext cx="12192000" cy="5627076"/>
           </a:xfrm>
           <a:prstGeom prst="rect">
             <a:avLst/>
@@ -3358,10 +3795,10 @@
       </p:pic>
       <p:sp>
         <p:nvSpPr>
-          <p:cNvPr id="6" name="Oval 5">
-            <a:extLst>
-              <a:ext uri="{FF2B5EF4-FFF2-40B4-BE49-F238E27FC236}">
-                <a16:creationId xmlns:a16="http://schemas.microsoft.com/office/drawing/2014/main" id="{EE463405-2D9B-A2B2-35E3-BC3EB3695283}"/>
+          <p:cNvPr id="4" name="Circular Arrow 3">
+            <a:extLst>
+              <a:ext uri="{FF2B5EF4-FFF2-40B4-BE49-F238E27FC236}">
+                <a16:creationId xmlns:a16="http://schemas.microsoft.com/office/drawing/2014/main" id="{9FCD7C8D-DB07-4D77-4291-041F482D19AB}"/>
               </a:ext>
             </a:extLst>
           </p:cNvPr>
@@ -3369,18 +3806,25 @@
           <p:nvPr/>
         </p:nvSpPr>
         <p:spPr>
-          <a:xfrm rot="2014826">
-            <a:off x="1704445" y="2568924"/>
-            <a:ext cx="742648" cy="988541"/>
-          </a:xfrm>
-          <a:prstGeom prst="ellipse">
+          <a:xfrm rot="5400000">
+            <a:off x="9879160" y="2197067"/>
+            <a:ext cx="667265" cy="1024332"/>
+          </a:xfrm>
+          <a:prstGeom prst="circularArrow">
             <a:avLst/>
           </a:prstGeom>
-          <a:solidFill>
-            <a:srgbClr val="FF0000">
-              <a:alpha val="52000"/>
-            </a:srgbClr>
-          </a:solidFill>
+          <a:gradFill flip="none" rotWithShape="1">
+            <a:gsLst>
+              <a:gs pos="0">
+                <a:srgbClr val="FF0000"/>
+              </a:gs>
+              <a:gs pos="100000">
+                <a:schemeClr val="accent1"/>
+              </a:gs>
+            </a:gsLst>
+            <a:lin ang="0" scaled="1"/>
+            <a:tileRect/>
+          </a:gradFill>
         </p:spPr>
         <p:style>
           <a:lnRef idx="2">
@@ -3403,16 +3847,20 @@
           <a:lstStyle/>
           <a:p>
             <a:pPr algn="ctr"/>
-            <a:endParaRPr lang="en-US"/>
-          </a:p>
-        </p:txBody>
-      </p:sp>
-      <p:sp>
-        <p:nvSpPr>
-          <p:cNvPr id="7" name="Oval 6">
-            <a:extLst>
-              <a:ext uri="{FF2B5EF4-FFF2-40B4-BE49-F238E27FC236}">
-                <a16:creationId xmlns:a16="http://schemas.microsoft.com/office/drawing/2014/main" id="{63569077-CF48-FE6E-7FE1-510A38307A49}"/>
+            <a:endParaRPr lang="en-US">
+              <a:solidFill>
+                <a:schemeClr val="tx1"/>
+              </a:solidFill>
+            </a:endParaRPr>
+          </a:p>
+        </p:txBody>
+      </p:sp>
+      <p:sp>
+        <p:nvSpPr>
+          <p:cNvPr id="9" name="Circular Arrow 8">
+            <a:extLst>
+              <a:ext uri="{FF2B5EF4-FFF2-40B4-BE49-F238E27FC236}">
+                <a16:creationId xmlns:a16="http://schemas.microsoft.com/office/drawing/2014/main" id="{5742EB2B-A2C6-D824-4D2B-EB7995B150CF}"/>
               </a:ext>
             </a:extLst>
           </p:cNvPr>
@@ -3420,18 +3868,24 @@
           <p:nvPr/>
         </p:nvSpPr>
         <p:spPr>
-          <a:xfrm rot="2014826">
-            <a:off x="1331327" y="3045264"/>
-            <a:ext cx="742648" cy="988541"/>
-          </a:xfrm>
-          <a:prstGeom prst="ellipse">
+          <a:xfrm rot="16200000">
+            <a:off x="9130012" y="2215602"/>
+            <a:ext cx="667265" cy="1024332"/>
+          </a:xfrm>
+          <a:prstGeom prst="circularArrow">
             <a:avLst/>
           </a:prstGeom>
-          <a:solidFill>
-            <a:schemeClr val="accent1">
-              <a:alpha val="52000"/>
-            </a:schemeClr>
-          </a:solidFill>
+          <a:gradFill>
+            <a:gsLst>
+              <a:gs pos="100000">
+                <a:srgbClr val="FF0000"/>
+              </a:gs>
+              <a:gs pos="0">
+                <a:schemeClr val="accent1"/>
+              </a:gs>
+            </a:gsLst>
+            <a:lin ang="0" scaled="1"/>
+          </a:gradFill>
         </p:spPr>
         <p:style>
           <a:lnRef idx="2">
@@ -3454,16 +3908,322 @@
           <a:lstStyle/>
           <a:p>
             <a:pPr algn="ctr"/>
-            <a:endParaRPr lang="en-US"/>
-          </a:p>
-        </p:txBody>
-      </p:sp>
-      <p:sp>
-        <p:nvSpPr>
-          <p:cNvPr id="8" name="Left-Right Arrow 7">
-            <a:extLst>
-              <a:ext uri="{FF2B5EF4-FFF2-40B4-BE49-F238E27FC236}">
-                <a16:creationId xmlns:a16="http://schemas.microsoft.com/office/drawing/2014/main" id="{52169C6C-DC2D-8A6D-1C6F-C31A365836C7}"/>
+            <a:endParaRPr lang="en-US">
+              <a:solidFill>
+                <a:schemeClr val="tx1"/>
+              </a:solidFill>
+            </a:endParaRPr>
+          </a:p>
+        </p:txBody>
+      </p:sp>
+      <p:sp>
+        <p:nvSpPr>
+          <p:cNvPr id="20" name="TextBox 19">
+            <a:extLst>
+              <a:ext uri="{FF2B5EF4-FFF2-40B4-BE49-F238E27FC236}">
+                <a16:creationId xmlns:a16="http://schemas.microsoft.com/office/drawing/2014/main" id="{F7957D78-013D-C0CE-94DE-85253A32CA07}"/>
+              </a:ext>
+            </a:extLst>
+          </p:cNvPr>
+          <p:cNvSpPr txBox="1"/>
+          <p:nvPr/>
+        </p:nvSpPr>
+        <p:spPr>
+          <a:xfrm>
+            <a:off x="9749375" y="2024803"/>
+            <a:ext cx="1334530" cy="369332"/>
+          </a:xfrm>
+          <a:prstGeom prst="rect">
+            <a:avLst/>
+          </a:prstGeom>
+          <a:noFill/>
+        </p:spPr>
+        <p:txBody>
+          <a:bodyPr wrap="square" rtlCol="0">
+            <a:spAutoFit/>
+          </a:bodyPr>
+          <a:lstStyle/>
+          <a:p>
+            <a:pPr algn="ctr"/>
+            <a:r>
+              <a:rPr lang="en-US" dirty="0"/>
+              <a:t>Trading</a:t>
+            </a:r>
+          </a:p>
+        </p:txBody>
+      </p:sp>
+      <p:sp>
+        <p:nvSpPr>
+          <p:cNvPr id="31" name="TextBox 30">
+            <a:extLst>
+              <a:ext uri="{FF2B5EF4-FFF2-40B4-BE49-F238E27FC236}">
+                <a16:creationId xmlns:a16="http://schemas.microsoft.com/office/drawing/2014/main" id="{98F7189E-474B-CC56-B4D4-B763D5725B79}"/>
+              </a:ext>
+            </a:extLst>
+          </p:cNvPr>
+          <p:cNvSpPr txBox="1"/>
+          <p:nvPr/>
+        </p:nvSpPr>
+        <p:spPr>
+          <a:xfrm>
+            <a:off x="6699736" y="5929883"/>
+            <a:ext cx="2630145" cy="646331"/>
+          </a:xfrm>
+          <a:prstGeom prst="rect">
+            <a:avLst/>
+          </a:prstGeom>
+          <a:noFill/>
+        </p:spPr>
+        <p:txBody>
+          <a:bodyPr wrap="square" rtlCol="0">
+            <a:spAutoFit/>
+          </a:bodyPr>
+          <a:lstStyle/>
+          <a:p>
+            <a:pPr algn="r"/>
+            <a:r>
+              <a:rPr lang="en-US" dirty="0">
+                <a:solidFill>
+                  <a:schemeClr val="bg1">
+                    <a:lumMod val="65000"/>
+                  </a:schemeClr>
+                </a:solidFill>
+              </a:rPr>
+              <a:t>Example: </a:t>
+            </a:r>
+          </a:p>
+          <a:p>
+            <a:pPr algn="r"/>
+            <a:r>
+              <a:rPr lang="en-US" dirty="0">
+                <a:solidFill>
+                  <a:schemeClr val="bg1">
+                    <a:lumMod val="65000"/>
+                  </a:schemeClr>
+                </a:solidFill>
+              </a:rPr>
+              <a:t>Bluefish</a:t>
+            </a:r>
+          </a:p>
+        </p:txBody>
+      </p:sp>
+      <p:cxnSp>
+        <p:nvCxnSpPr>
+          <p:cNvPr id="33" name="Straight Connector 32">
+            <a:extLst>
+              <a:ext uri="{FF2B5EF4-FFF2-40B4-BE49-F238E27FC236}">
+                <a16:creationId xmlns:a16="http://schemas.microsoft.com/office/drawing/2014/main" id="{63724AB7-A1D8-3223-289F-463A55E29C9D}"/>
+              </a:ext>
+            </a:extLst>
+          </p:cNvPr>
+          <p:cNvCxnSpPr>
+            <a:cxnSpLocks/>
+          </p:cNvCxnSpPr>
+          <p:nvPr/>
+        </p:nvCxnSpPr>
+        <p:spPr>
+          <a:xfrm>
+            <a:off x="9309363" y="4640402"/>
+            <a:ext cx="0" cy="1639512"/>
+          </a:xfrm>
+          <a:prstGeom prst="line">
+            <a:avLst/>
+          </a:prstGeom>
+          <a:ln>
+            <a:solidFill>
+              <a:schemeClr val="bg2">
+                <a:lumMod val="90000"/>
+              </a:schemeClr>
+            </a:solidFill>
+            <a:prstDash val="sysDash"/>
+          </a:ln>
+        </p:spPr>
+        <p:style>
+          <a:lnRef idx="2">
+            <a:schemeClr val="accent1"/>
+          </a:lnRef>
+          <a:fillRef idx="0">
+            <a:schemeClr val="accent1"/>
+          </a:fillRef>
+          <a:effectRef idx="1">
+            <a:schemeClr val="accent1"/>
+          </a:effectRef>
+          <a:fontRef idx="minor">
+            <a:schemeClr val="tx1"/>
+          </a:fontRef>
+        </p:style>
+      </p:cxnSp>
+      <p:cxnSp>
+        <p:nvCxnSpPr>
+          <p:cNvPr id="37" name="Straight Connector 36">
+            <a:extLst>
+              <a:ext uri="{FF2B5EF4-FFF2-40B4-BE49-F238E27FC236}">
+                <a16:creationId xmlns:a16="http://schemas.microsoft.com/office/drawing/2014/main" id="{08FA3F78-4D4F-4507-0A5A-6D699FE58E74}"/>
+              </a:ext>
+            </a:extLst>
+          </p:cNvPr>
+          <p:cNvCxnSpPr>
+            <a:cxnSpLocks/>
+          </p:cNvCxnSpPr>
+          <p:nvPr/>
+        </p:nvCxnSpPr>
+        <p:spPr>
+          <a:xfrm>
+            <a:off x="10328020" y="4671932"/>
+            <a:ext cx="0" cy="1639512"/>
+          </a:xfrm>
+          <a:prstGeom prst="line">
+            <a:avLst/>
+          </a:prstGeom>
+          <a:ln>
+            <a:solidFill>
+              <a:schemeClr val="bg2">
+                <a:lumMod val="90000"/>
+              </a:schemeClr>
+            </a:solidFill>
+            <a:prstDash val="sysDash"/>
+          </a:ln>
+        </p:spPr>
+        <p:style>
+          <a:lnRef idx="2">
+            <a:schemeClr val="accent1"/>
+          </a:lnRef>
+          <a:fillRef idx="0">
+            <a:schemeClr val="accent1"/>
+          </a:fillRef>
+          <a:effectRef idx="1">
+            <a:schemeClr val="accent1"/>
+          </a:effectRef>
+          <a:fontRef idx="minor">
+            <a:schemeClr val="tx1"/>
+          </a:fontRef>
+        </p:style>
+      </p:cxnSp>
+      <p:sp>
+        <p:nvSpPr>
+          <p:cNvPr id="38" name="TextBox 37">
+            <a:extLst>
+              <a:ext uri="{FF2B5EF4-FFF2-40B4-BE49-F238E27FC236}">
+                <a16:creationId xmlns:a16="http://schemas.microsoft.com/office/drawing/2014/main" id="{1A26E8B6-3235-0E1E-CD00-83FFF5378DE8}"/>
+              </a:ext>
+            </a:extLst>
+          </p:cNvPr>
+          <p:cNvSpPr txBox="1"/>
+          <p:nvPr/>
+        </p:nvSpPr>
+        <p:spPr>
+          <a:xfrm>
+            <a:off x="10348537" y="5921421"/>
+            <a:ext cx="2630145" cy="646331"/>
+          </a:xfrm>
+          <a:prstGeom prst="rect">
+            <a:avLst/>
+          </a:prstGeom>
+          <a:noFill/>
+        </p:spPr>
+        <p:txBody>
+          <a:bodyPr wrap="square" rtlCol="0">
+            <a:spAutoFit/>
+          </a:bodyPr>
+          <a:lstStyle/>
+          <a:p>
+            <a:r>
+              <a:rPr lang="en-US" dirty="0">
+                <a:solidFill>
+                  <a:schemeClr val="bg1">
+                    <a:lumMod val="65000"/>
+                  </a:schemeClr>
+                </a:solidFill>
+              </a:rPr>
+              <a:t>Example: </a:t>
+            </a:r>
+          </a:p>
+          <a:p>
+            <a:r>
+              <a:rPr lang="en-US" dirty="0">
+                <a:solidFill>
+                  <a:schemeClr val="bg1">
+                    <a:lumMod val="65000"/>
+                  </a:schemeClr>
+                </a:solidFill>
+              </a:rPr>
+              <a:t>Black sea bass</a:t>
+            </a:r>
+          </a:p>
+        </p:txBody>
+      </p:sp>
+    </p:spTree>
+    <p:extLst>
+      <p:ext uri="{BB962C8B-B14F-4D97-AF65-F5344CB8AC3E}">
+        <p14:creationId xmlns:p14="http://schemas.microsoft.com/office/powerpoint/2010/main" val="1610235401"/>
+      </p:ext>
+    </p:extLst>
+  </p:cSld>
+  <p:clrMapOvr>
+    <a:masterClrMapping/>
+  </p:clrMapOvr>
+</p:sld>
+</file>
+
+<file path=ppt/slides/slide2.xml><?xml version="1.0" encoding="utf-8"?>
+<p:sld xmlns:a="http://schemas.openxmlformats.org/drawingml/2006/main" xmlns:r="http://schemas.openxmlformats.org/officeDocument/2006/relationships" xmlns:p="http://schemas.openxmlformats.org/presentationml/2006/main">
+  <p:cSld>
+    <p:spTree>
+      <p:nvGrpSpPr>
+        <p:cNvPr id="1" name="">
+          <a:extLst>
+            <a:ext uri="{FF2B5EF4-FFF2-40B4-BE49-F238E27FC236}">
+              <a16:creationId xmlns:a16="http://schemas.microsoft.com/office/drawing/2014/main" id="{3E353E61-3CF4-8B37-2432-327F4590307D}"/>
+            </a:ext>
+          </a:extLst>
+        </p:cNvPr>
+        <p:cNvGrpSpPr/>
+        <p:nvPr/>
+      </p:nvGrpSpPr>
+      <p:grpSpPr>
+        <a:xfrm>
+          <a:off x="0" y="0"/>
+          <a:ext cx="0" cy="0"/>
+          <a:chOff x="0" y="0"/>
+          <a:chExt cx="0" cy="0"/>
+        </a:xfrm>
+      </p:grpSpPr>
+      <p:pic>
+        <p:nvPicPr>
+          <p:cNvPr id="5" name="Picture 4" descr="A map of the united states&#10;&#10;Description automatically generated">
+            <a:extLst>
+              <a:ext uri="{FF2B5EF4-FFF2-40B4-BE49-F238E27FC236}">
+                <a16:creationId xmlns:a16="http://schemas.microsoft.com/office/drawing/2014/main" id="{B68D26E0-02FD-BD77-22C3-7EF84F2F25B5}"/>
+              </a:ext>
+            </a:extLst>
+          </p:cNvPr>
+          <p:cNvPicPr>
+            <a:picLocks noChangeAspect="1"/>
+          </p:cNvPicPr>
+          <p:nvPr/>
+        </p:nvPicPr>
+        <p:blipFill>
+          <a:blip r:embed="rId2"/>
+          <a:stretch>
+            <a:fillRect/>
+          </a:stretch>
+        </p:blipFill>
+        <p:spPr>
+          <a:xfrm>
+            <a:off x="502337" y="1698021"/>
+            <a:ext cx="2047719" cy="2799830"/>
+          </a:xfrm>
+          <a:prstGeom prst="rect">
+            <a:avLst/>
+          </a:prstGeom>
+        </p:spPr>
+      </p:pic>
+      <p:sp>
+        <p:nvSpPr>
+          <p:cNvPr id="6" name="Oval 5">
+            <a:extLst>
+              <a:ext uri="{FF2B5EF4-FFF2-40B4-BE49-F238E27FC236}">
+                <a16:creationId xmlns:a16="http://schemas.microsoft.com/office/drawing/2014/main" id="{AE0A532A-19FB-8AF6-1CC0-C4A465F444A9}"/>
               </a:ext>
             </a:extLst>
           </p:cNvPr>
@@ -3471,13 +4231,18 @@
           <p:nvPr/>
         </p:nvSpPr>
         <p:spPr>
-          <a:xfrm>
-            <a:off x="5883364" y="4670853"/>
-            <a:ext cx="4868562" cy="481914"/>
-          </a:xfrm>
-          <a:prstGeom prst="leftRightArrow">
+          <a:xfrm rot="2014826">
+            <a:off x="1704445" y="2568924"/>
+            <a:ext cx="742648" cy="988541"/>
+          </a:xfrm>
+          <a:prstGeom prst="ellipse">
             <a:avLst/>
           </a:prstGeom>
+          <a:solidFill>
+            <a:srgbClr val="FF0000">
+              <a:alpha val="52000"/>
+            </a:srgbClr>
+          </a:solidFill>
         </p:spPr>
         <p:style>
           <a:lnRef idx="2">
@@ -3506,117 +4271,29 @@
       </p:sp>
       <p:sp>
         <p:nvSpPr>
-          <p:cNvPr id="10" name="TextBox 9">
-            <a:extLst>
-              <a:ext uri="{FF2B5EF4-FFF2-40B4-BE49-F238E27FC236}">
-                <a16:creationId xmlns:a16="http://schemas.microsoft.com/office/drawing/2014/main" id="{0055B51E-2144-E94E-5113-B2A247473E8F}"/>
-              </a:ext>
-            </a:extLst>
-          </p:cNvPr>
-          <p:cNvSpPr txBox="1"/>
+          <p:cNvPr id="7" name="Oval 6">
+            <a:extLst>
+              <a:ext uri="{FF2B5EF4-FFF2-40B4-BE49-F238E27FC236}">
+                <a16:creationId xmlns:a16="http://schemas.microsoft.com/office/drawing/2014/main" id="{751AB3B4-655D-8BBC-F252-D320F256A9D4}"/>
+              </a:ext>
+            </a:extLst>
+          </p:cNvPr>
+          <p:cNvSpPr/>
           <p:nvPr/>
         </p:nvSpPr>
         <p:spPr>
-          <a:xfrm>
-            <a:off x="4818040" y="5266025"/>
-            <a:ext cx="2538556" cy="923330"/>
-          </a:xfrm>
-          <a:prstGeom prst="rect">
+          <a:xfrm rot="2014826">
+            <a:off x="1331327" y="3045264"/>
+            <a:ext cx="742648" cy="988541"/>
+          </a:xfrm>
+          <a:prstGeom prst="ellipse">
             <a:avLst/>
           </a:prstGeom>
-          <a:noFill/>
-        </p:spPr>
-        <p:txBody>
-          <a:bodyPr wrap="square" rtlCol="0">
-            <a:spAutoFit/>
-          </a:bodyPr>
-          <a:lstStyle/>
-          <a:p>
-            <a:pPr algn="ctr"/>
-            <a:r>
-              <a:rPr lang="en-US" dirty="0"/>
-              <a:t>Maintain</a:t>
-            </a:r>
-          </a:p>
-          <a:p>
-            <a:pPr algn="ctr"/>
-            <a:r>
-              <a:rPr lang="en-US" dirty="0"/>
-              <a:t>historical access, </a:t>
-            </a:r>
-          </a:p>
-          <a:p>
-            <a:pPr algn="ctr"/>
-            <a:r>
-              <a:rPr lang="en-US" dirty="0"/>
-              <a:t>despite resource shift</a:t>
-            </a:r>
-          </a:p>
-        </p:txBody>
-      </p:sp>
-      <p:sp>
-        <p:nvSpPr>
-          <p:cNvPr id="11" name="TextBox 10">
-            <a:extLst>
-              <a:ext uri="{FF2B5EF4-FFF2-40B4-BE49-F238E27FC236}">
-                <a16:creationId xmlns:a16="http://schemas.microsoft.com/office/drawing/2014/main" id="{05EAB148-9961-B914-F282-649584A2B477}"/>
-              </a:ext>
-            </a:extLst>
-          </p:cNvPr>
-          <p:cNvSpPr txBox="1"/>
-          <p:nvPr/>
-        </p:nvSpPr>
-        <p:spPr>
-          <a:xfrm>
-            <a:off x="9235794" y="5245625"/>
-            <a:ext cx="2755578" cy="923330"/>
-          </a:xfrm>
-          <a:prstGeom prst="rect">
-            <a:avLst/>
-          </a:prstGeom>
-          <a:noFill/>
-        </p:spPr>
-        <p:txBody>
-          <a:bodyPr wrap="square" rtlCol="0">
-            <a:spAutoFit/>
-          </a:bodyPr>
-          <a:lstStyle/>
-          <a:p>
-            <a:pPr algn="ctr"/>
-            <a:r>
-              <a:rPr lang="en-US" dirty="0"/>
-              <a:t>Adjust to </a:t>
-            </a:r>
-          </a:p>
-          <a:p>
-            <a:pPr algn="ctr"/>
-            <a:r>
-              <a:rPr lang="en-US" dirty="0"/>
-              <a:t>current availability, despite historical reliance</a:t>
-            </a:r>
-          </a:p>
-        </p:txBody>
-      </p:sp>
-      <p:sp>
-        <p:nvSpPr>
-          <p:cNvPr id="12" name="Rectangle 11">
-            <a:extLst>
-              <a:ext uri="{FF2B5EF4-FFF2-40B4-BE49-F238E27FC236}">
-                <a16:creationId xmlns:a16="http://schemas.microsoft.com/office/drawing/2014/main" id="{A80739EC-5837-599B-6490-1964B3902165}"/>
-              </a:ext>
-            </a:extLst>
-          </p:cNvPr>
-          <p:cNvSpPr/>
-          <p:nvPr/>
-        </p:nvSpPr>
-        <p:spPr>
-          <a:xfrm>
-            <a:off x="3150974" y="2297749"/>
-            <a:ext cx="370703" cy="2200107"/>
-          </a:xfrm>
-          <a:prstGeom prst="rect">
-            <a:avLst/>
-          </a:prstGeom>
+          <a:solidFill>
+            <a:schemeClr val="accent1">
+              <a:alpha val="52000"/>
+            </a:schemeClr>
+          </a:solidFill>
         </p:spPr>
         <p:style>
           <a:lnRef idx="2">
@@ -3645,10 +4322,10 @@
       </p:sp>
       <p:sp>
         <p:nvSpPr>
-          <p:cNvPr id="13" name="Rectangle 12">
-            <a:extLst>
-              <a:ext uri="{FF2B5EF4-FFF2-40B4-BE49-F238E27FC236}">
-                <a16:creationId xmlns:a16="http://schemas.microsoft.com/office/drawing/2014/main" id="{5569D1DD-7ED2-6327-B277-349DB4ED6E1C}"/>
+          <p:cNvPr id="8" name="Left-Right Arrow 7">
+            <a:extLst>
+              <a:ext uri="{FF2B5EF4-FFF2-40B4-BE49-F238E27FC236}">
+                <a16:creationId xmlns:a16="http://schemas.microsoft.com/office/drawing/2014/main" id="{6D58D89E-CC22-69FC-CD94-4D903D5F45F8}"/>
               </a:ext>
             </a:extLst>
           </p:cNvPr>
@@ -3657,15 +4334,12 @@
         </p:nvSpPr>
         <p:spPr>
           <a:xfrm>
-            <a:off x="3150973" y="1680516"/>
-            <a:ext cx="370703" cy="617233"/>
-          </a:xfrm>
-          <a:prstGeom prst="rect">
+            <a:off x="5883364" y="4670853"/>
+            <a:ext cx="4868562" cy="481914"/>
+          </a:xfrm>
+          <a:prstGeom prst="leftRightArrow">
             <a:avLst/>
           </a:prstGeom>
-          <a:solidFill>
-            <a:srgbClr val="FF0000"/>
-          </a:solidFill>
         </p:spPr>
         <p:style>
           <a:lnRef idx="2">
@@ -3694,10 +4368,103 @@
       </p:sp>
       <p:sp>
         <p:nvSpPr>
-          <p:cNvPr id="14" name="Rectangle 13">
-            <a:extLst>
-              <a:ext uri="{FF2B5EF4-FFF2-40B4-BE49-F238E27FC236}">
-                <a16:creationId xmlns:a16="http://schemas.microsoft.com/office/drawing/2014/main" id="{206FF1D3-8279-DBD8-B0BC-204C39343FBD}"/>
+          <p:cNvPr id="10" name="TextBox 9">
+            <a:extLst>
+              <a:ext uri="{FF2B5EF4-FFF2-40B4-BE49-F238E27FC236}">
+                <a16:creationId xmlns:a16="http://schemas.microsoft.com/office/drawing/2014/main" id="{F0FD0C96-010A-5FAA-6B88-4C5B8BB26F4F}"/>
+              </a:ext>
+            </a:extLst>
+          </p:cNvPr>
+          <p:cNvSpPr txBox="1"/>
+          <p:nvPr/>
+        </p:nvSpPr>
+        <p:spPr>
+          <a:xfrm>
+            <a:off x="4818040" y="5266025"/>
+            <a:ext cx="2538556" cy="923330"/>
+          </a:xfrm>
+          <a:prstGeom prst="rect">
+            <a:avLst/>
+          </a:prstGeom>
+          <a:noFill/>
+        </p:spPr>
+        <p:txBody>
+          <a:bodyPr wrap="square" rtlCol="0">
+            <a:spAutoFit/>
+          </a:bodyPr>
+          <a:lstStyle/>
+          <a:p>
+            <a:pPr algn="ctr"/>
+            <a:r>
+              <a:rPr lang="en-US" dirty="0"/>
+              <a:t>Maintain</a:t>
+            </a:r>
+          </a:p>
+          <a:p>
+            <a:pPr algn="ctr"/>
+            <a:r>
+              <a:rPr lang="en-US" dirty="0"/>
+              <a:t>historical access, </a:t>
+            </a:r>
+          </a:p>
+          <a:p>
+            <a:pPr algn="ctr"/>
+            <a:r>
+              <a:rPr lang="en-US" dirty="0"/>
+              <a:t>despite resource shift</a:t>
+            </a:r>
+          </a:p>
+        </p:txBody>
+      </p:sp>
+      <p:sp>
+        <p:nvSpPr>
+          <p:cNvPr id="11" name="TextBox 10">
+            <a:extLst>
+              <a:ext uri="{FF2B5EF4-FFF2-40B4-BE49-F238E27FC236}">
+                <a16:creationId xmlns:a16="http://schemas.microsoft.com/office/drawing/2014/main" id="{43B66D42-2642-1B87-3C79-DC693D9493BD}"/>
+              </a:ext>
+            </a:extLst>
+          </p:cNvPr>
+          <p:cNvSpPr txBox="1"/>
+          <p:nvPr/>
+        </p:nvSpPr>
+        <p:spPr>
+          <a:xfrm>
+            <a:off x="9235794" y="5245625"/>
+            <a:ext cx="2755578" cy="923330"/>
+          </a:xfrm>
+          <a:prstGeom prst="rect">
+            <a:avLst/>
+          </a:prstGeom>
+          <a:noFill/>
+        </p:spPr>
+        <p:txBody>
+          <a:bodyPr wrap="square" rtlCol="0">
+            <a:spAutoFit/>
+          </a:bodyPr>
+          <a:lstStyle/>
+          <a:p>
+            <a:pPr algn="ctr"/>
+            <a:r>
+              <a:rPr lang="en-US" dirty="0"/>
+              <a:t>Adjust to </a:t>
+            </a:r>
+          </a:p>
+          <a:p>
+            <a:pPr algn="ctr"/>
+            <a:r>
+              <a:rPr lang="en-US" dirty="0"/>
+              <a:t>current availability, despite historical reliance</a:t>
+            </a:r>
+          </a:p>
+        </p:txBody>
+      </p:sp>
+      <p:sp>
+        <p:nvSpPr>
+          <p:cNvPr id="12" name="Rectangle 11">
+            <a:extLst>
+              <a:ext uri="{FF2B5EF4-FFF2-40B4-BE49-F238E27FC236}">
+                <a16:creationId xmlns:a16="http://schemas.microsoft.com/office/drawing/2014/main" id="{3D255AEC-BF1C-EC6E-BB34-BE63931FB715}"/>
               </a:ext>
             </a:extLst>
           </p:cNvPr>
@@ -3706,8 +4473,8 @@
         </p:nvSpPr>
         <p:spPr>
           <a:xfrm>
-            <a:off x="4326209" y="2458987"/>
-            <a:ext cx="370703" cy="2038864"/>
+            <a:off x="3150974" y="2297749"/>
+            <a:ext cx="370703" cy="2200107"/>
           </a:xfrm>
           <a:prstGeom prst="rect">
             <a:avLst/>
@@ -3740,10 +4507,10 @@
       </p:sp>
       <p:sp>
         <p:nvSpPr>
-          <p:cNvPr id="15" name="Rectangle 14">
-            <a:extLst>
-              <a:ext uri="{FF2B5EF4-FFF2-40B4-BE49-F238E27FC236}">
-                <a16:creationId xmlns:a16="http://schemas.microsoft.com/office/drawing/2014/main" id="{3160462C-58D6-77CF-2776-EF21474DD0EA}"/>
+          <p:cNvPr id="13" name="Rectangle 12">
+            <a:extLst>
+              <a:ext uri="{FF2B5EF4-FFF2-40B4-BE49-F238E27FC236}">
+                <a16:creationId xmlns:a16="http://schemas.microsoft.com/office/drawing/2014/main" id="{4FD196A4-A59E-AEEE-A774-47852EC05E4B}"/>
               </a:ext>
             </a:extLst>
           </p:cNvPr>
@@ -3752,8 +4519,8 @@
         </p:nvSpPr>
         <p:spPr>
           <a:xfrm>
-            <a:off x="4326208" y="1680511"/>
-            <a:ext cx="370703" cy="778476"/>
+            <a:off x="3150973" y="1680516"/>
+            <a:ext cx="370703" cy="617233"/>
           </a:xfrm>
           <a:prstGeom prst="rect">
             <a:avLst/>
@@ -3789,10 +4556,10 @@
       </p:sp>
       <p:sp>
         <p:nvSpPr>
-          <p:cNvPr id="16" name="Rectangle 15">
-            <a:extLst>
-              <a:ext uri="{FF2B5EF4-FFF2-40B4-BE49-F238E27FC236}">
-                <a16:creationId xmlns:a16="http://schemas.microsoft.com/office/drawing/2014/main" id="{11863B46-3CC6-BF62-509D-CD0401776FC3}"/>
+          <p:cNvPr id="14" name="Rectangle 13">
+            <a:extLst>
+              <a:ext uri="{FF2B5EF4-FFF2-40B4-BE49-F238E27FC236}">
+                <a16:creationId xmlns:a16="http://schemas.microsoft.com/office/drawing/2014/main" id="{C507A756-466A-C5F2-772E-624A5D655D30}"/>
               </a:ext>
             </a:extLst>
           </p:cNvPr>
@@ -3801,8 +4568,8 @@
         </p:nvSpPr>
         <p:spPr>
           <a:xfrm>
-            <a:off x="3719992" y="3719378"/>
-            <a:ext cx="370703" cy="778477"/>
+            <a:off x="4326209" y="2458987"/>
+            <a:ext cx="370703" cy="2038864"/>
           </a:xfrm>
           <a:prstGeom prst="rect">
             <a:avLst/>
@@ -3835,10 +4602,10 @@
       </p:sp>
       <p:sp>
         <p:nvSpPr>
-          <p:cNvPr id="17" name="Rectangle 16">
-            <a:extLst>
-              <a:ext uri="{FF2B5EF4-FFF2-40B4-BE49-F238E27FC236}">
-                <a16:creationId xmlns:a16="http://schemas.microsoft.com/office/drawing/2014/main" id="{6132F833-B8BE-6098-69A9-7DF64DFA4DB2}"/>
+          <p:cNvPr id="15" name="Rectangle 14">
+            <a:extLst>
+              <a:ext uri="{FF2B5EF4-FFF2-40B4-BE49-F238E27FC236}">
+                <a16:creationId xmlns:a16="http://schemas.microsoft.com/office/drawing/2014/main" id="{470AE212-BD46-F2F6-CF2A-DA84E020556E}"/>
               </a:ext>
             </a:extLst>
           </p:cNvPr>
@@ -3847,8 +4614,8 @@
         </p:nvSpPr>
         <p:spPr>
           <a:xfrm>
-            <a:off x="3719991" y="1680516"/>
-            <a:ext cx="370703" cy="2038862"/>
+            <a:off x="4326208" y="1680511"/>
+            <a:ext cx="370703" cy="778476"/>
           </a:xfrm>
           <a:prstGeom prst="rect">
             <a:avLst/>
@@ -3884,88 +4651,10 @@
       </p:sp>
       <p:sp>
         <p:nvSpPr>
-          <p:cNvPr id="18" name="TextBox 17">
-            <a:extLst>
-              <a:ext uri="{FF2B5EF4-FFF2-40B4-BE49-F238E27FC236}">
-                <a16:creationId xmlns:a16="http://schemas.microsoft.com/office/drawing/2014/main" id="{A67BC317-A928-BAB5-7FF2-415B28F2773F}"/>
-              </a:ext>
-            </a:extLst>
-          </p:cNvPr>
-          <p:cNvSpPr txBox="1"/>
-          <p:nvPr/>
-        </p:nvSpPr>
-        <p:spPr>
-          <a:xfrm>
-            <a:off x="2973889" y="4576123"/>
-            <a:ext cx="724878" cy="369332"/>
-          </a:xfrm>
-          <a:prstGeom prst="rect">
-            <a:avLst/>
-          </a:prstGeom>
-          <a:noFill/>
-        </p:spPr>
-        <p:txBody>
-          <a:bodyPr wrap="none" rtlCol="0">
-            <a:spAutoFit/>
-          </a:bodyPr>
-          <a:lstStyle/>
-          <a:p>
-            <a:r>
-              <a:rPr lang="en-US" dirty="0"/>
-              <a:t>1985 </a:t>
-            </a:r>
-          </a:p>
-        </p:txBody>
-      </p:sp>
-      <p:sp>
-        <p:nvSpPr>
-          <p:cNvPr id="19" name="TextBox 18">
-            <a:extLst>
-              <a:ext uri="{FF2B5EF4-FFF2-40B4-BE49-F238E27FC236}">
-                <a16:creationId xmlns:a16="http://schemas.microsoft.com/office/drawing/2014/main" id="{EF803057-F759-A4CA-4676-CCC256F00672}"/>
-              </a:ext>
-            </a:extLst>
-          </p:cNvPr>
-          <p:cNvSpPr txBox="1"/>
-          <p:nvPr/>
-        </p:nvSpPr>
-        <p:spPr>
-          <a:xfrm>
-            <a:off x="2998343" y="1041940"/>
-            <a:ext cx="1327864" cy="646331"/>
-          </a:xfrm>
-          <a:prstGeom prst="rect">
-            <a:avLst/>
-          </a:prstGeom>
-          <a:noFill/>
-        </p:spPr>
-        <p:txBody>
-          <a:bodyPr wrap="none" rtlCol="0">
-            <a:spAutoFit/>
-          </a:bodyPr>
-          <a:lstStyle/>
-          <a:p>
-            <a:pPr algn="ctr"/>
-            <a:r>
-              <a:rPr lang="en-US" dirty="0"/>
-              <a:t>Resource</a:t>
-            </a:r>
-          </a:p>
-          <a:p>
-            <a:pPr algn="ctr"/>
-            <a:r>
-              <a:rPr lang="en-US" dirty="0"/>
-              <a:t>distribution</a:t>
-            </a:r>
-          </a:p>
-        </p:txBody>
-      </p:sp>
-      <p:sp>
-        <p:nvSpPr>
-          <p:cNvPr id="21" name="Rectangle 20">
-            <a:extLst>
-              <a:ext uri="{FF2B5EF4-FFF2-40B4-BE49-F238E27FC236}">
-                <a16:creationId xmlns:a16="http://schemas.microsoft.com/office/drawing/2014/main" id="{4DDDC58B-C8E5-C86B-5532-66AC6ED6F44D}"/>
+          <p:cNvPr id="16" name="Rectangle 15">
+            <a:extLst>
+              <a:ext uri="{FF2B5EF4-FFF2-40B4-BE49-F238E27FC236}">
+                <a16:creationId xmlns:a16="http://schemas.microsoft.com/office/drawing/2014/main" id="{A83AA623-06EB-118A-1F94-855BC636AF33}"/>
               </a:ext>
             </a:extLst>
           </p:cNvPr>
@@ -3974,8 +4663,8 @@
         </p:nvSpPr>
         <p:spPr>
           <a:xfrm>
-            <a:off x="5984795" y="2271760"/>
-            <a:ext cx="370703" cy="2200107"/>
+            <a:off x="3719992" y="3719378"/>
+            <a:ext cx="370703" cy="778477"/>
           </a:xfrm>
           <a:prstGeom prst="rect">
             <a:avLst/>
@@ -4008,10 +4697,10 @@
       </p:sp>
       <p:sp>
         <p:nvSpPr>
-          <p:cNvPr id="22" name="Rectangle 21">
-            <a:extLst>
-              <a:ext uri="{FF2B5EF4-FFF2-40B4-BE49-F238E27FC236}">
-                <a16:creationId xmlns:a16="http://schemas.microsoft.com/office/drawing/2014/main" id="{29D76E50-358C-351A-59B6-180DADB3BE64}"/>
+          <p:cNvPr id="17" name="Rectangle 16">
+            <a:extLst>
+              <a:ext uri="{FF2B5EF4-FFF2-40B4-BE49-F238E27FC236}">
+                <a16:creationId xmlns:a16="http://schemas.microsoft.com/office/drawing/2014/main" id="{34D21B06-9DD9-B2C2-B6C5-38CF62A8D064}"/>
               </a:ext>
             </a:extLst>
           </p:cNvPr>
@@ -4020,8 +4709,8 @@
         </p:nvSpPr>
         <p:spPr>
           <a:xfrm>
-            <a:off x="5984794" y="1654527"/>
-            <a:ext cx="370703" cy="617233"/>
+            <a:off x="3719991" y="1680516"/>
+            <a:ext cx="370703" cy="2038862"/>
           </a:xfrm>
           <a:prstGeom prst="rect">
             <a:avLst/>
@@ -4057,10 +4746,88 @@
       </p:sp>
       <p:sp>
         <p:nvSpPr>
-          <p:cNvPr id="23" name="Rectangle 22">
-            <a:extLst>
-              <a:ext uri="{FF2B5EF4-FFF2-40B4-BE49-F238E27FC236}">
-                <a16:creationId xmlns:a16="http://schemas.microsoft.com/office/drawing/2014/main" id="{D338A73E-C6C7-5385-3155-DC2BF679AF15}"/>
+          <p:cNvPr id="18" name="TextBox 17">
+            <a:extLst>
+              <a:ext uri="{FF2B5EF4-FFF2-40B4-BE49-F238E27FC236}">
+                <a16:creationId xmlns:a16="http://schemas.microsoft.com/office/drawing/2014/main" id="{C2A21BB0-278C-DF1F-4A4C-33F1DB45399E}"/>
+              </a:ext>
+            </a:extLst>
+          </p:cNvPr>
+          <p:cNvSpPr txBox="1"/>
+          <p:nvPr/>
+        </p:nvSpPr>
+        <p:spPr>
+          <a:xfrm>
+            <a:off x="2973889" y="4576123"/>
+            <a:ext cx="724878" cy="369332"/>
+          </a:xfrm>
+          <a:prstGeom prst="rect">
+            <a:avLst/>
+          </a:prstGeom>
+          <a:noFill/>
+        </p:spPr>
+        <p:txBody>
+          <a:bodyPr wrap="none" rtlCol="0">
+            <a:spAutoFit/>
+          </a:bodyPr>
+          <a:lstStyle/>
+          <a:p>
+            <a:r>
+              <a:rPr lang="en-US" dirty="0"/>
+              <a:t>1985 </a:t>
+            </a:r>
+          </a:p>
+        </p:txBody>
+      </p:sp>
+      <p:sp>
+        <p:nvSpPr>
+          <p:cNvPr id="19" name="TextBox 18">
+            <a:extLst>
+              <a:ext uri="{FF2B5EF4-FFF2-40B4-BE49-F238E27FC236}">
+                <a16:creationId xmlns:a16="http://schemas.microsoft.com/office/drawing/2014/main" id="{1B24EE79-C8ED-3113-E479-72DD1591B9FF}"/>
+              </a:ext>
+            </a:extLst>
+          </p:cNvPr>
+          <p:cNvSpPr txBox="1"/>
+          <p:nvPr/>
+        </p:nvSpPr>
+        <p:spPr>
+          <a:xfrm>
+            <a:off x="2998343" y="1041940"/>
+            <a:ext cx="1327864" cy="646331"/>
+          </a:xfrm>
+          <a:prstGeom prst="rect">
+            <a:avLst/>
+          </a:prstGeom>
+          <a:noFill/>
+        </p:spPr>
+        <p:txBody>
+          <a:bodyPr wrap="none" rtlCol="0">
+            <a:spAutoFit/>
+          </a:bodyPr>
+          <a:lstStyle/>
+          <a:p>
+            <a:pPr algn="ctr"/>
+            <a:r>
+              <a:rPr lang="en-US" dirty="0"/>
+              <a:t>Resource</a:t>
+            </a:r>
+          </a:p>
+          <a:p>
+            <a:pPr algn="ctr"/>
+            <a:r>
+              <a:rPr lang="en-US" dirty="0"/>
+              <a:t>distribution</a:t>
+            </a:r>
+          </a:p>
+        </p:txBody>
+      </p:sp>
+      <p:sp>
+        <p:nvSpPr>
+          <p:cNvPr id="21" name="Rectangle 20">
+            <a:extLst>
+              <a:ext uri="{FF2B5EF4-FFF2-40B4-BE49-F238E27FC236}">
+                <a16:creationId xmlns:a16="http://schemas.microsoft.com/office/drawing/2014/main" id="{D2A5F232-7F95-1CEB-E387-7268289910EF}"/>
               </a:ext>
             </a:extLst>
           </p:cNvPr>
@@ -4069,8 +4836,8 @@
         </p:nvSpPr>
         <p:spPr>
           <a:xfrm>
-            <a:off x="10381527" y="3693389"/>
-            <a:ext cx="370703" cy="778477"/>
+            <a:off x="5984795" y="2271760"/>
+            <a:ext cx="370703" cy="2200107"/>
           </a:xfrm>
           <a:prstGeom prst="rect">
             <a:avLst/>
@@ -4103,10 +4870,10 @@
       </p:sp>
       <p:sp>
         <p:nvSpPr>
-          <p:cNvPr id="24" name="Rectangle 23">
-            <a:extLst>
-              <a:ext uri="{FF2B5EF4-FFF2-40B4-BE49-F238E27FC236}">
-                <a16:creationId xmlns:a16="http://schemas.microsoft.com/office/drawing/2014/main" id="{6A654FF3-05D9-B63D-63D8-500F0262CF96}"/>
+          <p:cNvPr id="22" name="Rectangle 21">
+            <a:extLst>
+              <a:ext uri="{FF2B5EF4-FFF2-40B4-BE49-F238E27FC236}">
+                <a16:creationId xmlns:a16="http://schemas.microsoft.com/office/drawing/2014/main" id="{14A50512-9847-8200-8370-6708186FBDBF}"/>
               </a:ext>
             </a:extLst>
           </p:cNvPr>
@@ -4115,8 +4882,8 @@
         </p:nvSpPr>
         <p:spPr>
           <a:xfrm>
-            <a:off x="10381526" y="1654527"/>
-            <a:ext cx="370703" cy="2038862"/>
+            <a:off x="5984794" y="1654527"/>
+            <a:ext cx="370703" cy="617233"/>
           </a:xfrm>
           <a:prstGeom prst="rect">
             <a:avLst/>
@@ -4152,10 +4919,10 @@
       </p:sp>
       <p:sp>
         <p:nvSpPr>
-          <p:cNvPr id="25" name="Rectangle 24">
-            <a:extLst>
-              <a:ext uri="{FF2B5EF4-FFF2-40B4-BE49-F238E27FC236}">
-                <a16:creationId xmlns:a16="http://schemas.microsoft.com/office/drawing/2014/main" id="{EB11BBFB-FD54-E71E-920C-FC85352DEB70}"/>
+          <p:cNvPr id="23" name="Rectangle 22">
+            <a:extLst>
+              <a:ext uri="{FF2B5EF4-FFF2-40B4-BE49-F238E27FC236}">
+                <a16:creationId xmlns:a16="http://schemas.microsoft.com/office/drawing/2014/main" id="{C5989280-00BD-4448-783C-12AD47F5F581}"/>
               </a:ext>
             </a:extLst>
           </p:cNvPr>
@@ -4164,8 +4931,8 @@
         </p:nvSpPr>
         <p:spPr>
           <a:xfrm>
-            <a:off x="8163703" y="2952661"/>
-            <a:ext cx="370703" cy="1519206"/>
+            <a:off x="10381527" y="3693389"/>
+            <a:ext cx="370703" cy="778477"/>
           </a:xfrm>
           <a:prstGeom prst="rect">
             <a:avLst/>
@@ -4198,10 +4965,10 @@
       </p:sp>
       <p:sp>
         <p:nvSpPr>
-          <p:cNvPr id="26" name="Rectangle 25">
-            <a:extLst>
-              <a:ext uri="{FF2B5EF4-FFF2-40B4-BE49-F238E27FC236}">
-                <a16:creationId xmlns:a16="http://schemas.microsoft.com/office/drawing/2014/main" id="{AB506A96-773B-079E-0FAF-B11A70D4C51B}"/>
+          <p:cNvPr id="24" name="Rectangle 23">
+            <a:extLst>
+              <a:ext uri="{FF2B5EF4-FFF2-40B4-BE49-F238E27FC236}">
+                <a16:creationId xmlns:a16="http://schemas.microsoft.com/office/drawing/2014/main" id="{DCBEF3E9-C6DB-FC47-E29B-C4AFA7E139FB}"/>
               </a:ext>
             </a:extLst>
           </p:cNvPr>
@@ -4210,8 +4977,8 @@
         </p:nvSpPr>
         <p:spPr>
           <a:xfrm>
-            <a:off x="8163702" y="1654527"/>
-            <a:ext cx="370703" cy="1298133"/>
+            <a:off x="10381526" y="1654527"/>
+            <a:ext cx="370703" cy="2038862"/>
           </a:xfrm>
           <a:prstGeom prst="rect">
             <a:avLst/>
@@ -4247,78 +5014,24 @@
       </p:sp>
       <p:sp>
         <p:nvSpPr>
-          <p:cNvPr id="27" name="TextBox 26">
-            <a:extLst>
-              <a:ext uri="{FF2B5EF4-FFF2-40B4-BE49-F238E27FC236}">
-                <a16:creationId xmlns:a16="http://schemas.microsoft.com/office/drawing/2014/main" id="{9C93308A-2E9C-0F36-83F7-157C06AEC692}"/>
-              </a:ext>
-            </a:extLst>
-          </p:cNvPr>
-          <p:cNvSpPr txBox="1"/>
+          <p:cNvPr id="25" name="Rectangle 24">
+            <a:extLst>
+              <a:ext uri="{FF2B5EF4-FFF2-40B4-BE49-F238E27FC236}">
+                <a16:creationId xmlns:a16="http://schemas.microsoft.com/office/drawing/2014/main" id="{C563C21B-9340-1BB9-5FD8-537E24C368CC}"/>
+              </a:ext>
+            </a:extLst>
+          </p:cNvPr>
+          <p:cNvSpPr/>
           <p:nvPr/>
         </p:nvSpPr>
         <p:spPr>
           <a:xfrm>
-            <a:off x="7713789" y="5279184"/>
-            <a:ext cx="1334530" cy="646331"/>
+            <a:off x="8163703" y="2952661"/>
+            <a:ext cx="370703" cy="1519206"/>
           </a:xfrm>
           <a:prstGeom prst="rect">
             <a:avLst/>
           </a:prstGeom>
-          <a:noFill/>
-        </p:spPr>
-        <p:txBody>
-          <a:bodyPr wrap="square" rtlCol="0">
-            <a:spAutoFit/>
-          </a:bodyPr>
-          <a:lstStyle/>
-          <a:p>
-            <a:pPr algn="ctr"/>
-            <a:r>
-              <a:rPr lang="en-US" i="1" dirty="0">
-                <a:solidFill>
-                  <a:schemeClr val="bg1">
-                    <a:lumMod val="65000"/>
-                  </a:schemeClr>
-                </a:solidFill>
-              </a:rPr>
-              <a:t>Middle ground</a:t>
-            </a:r>
-          </a:p>
-        </p:txBody>
-      </p:sp>
-      <p:sp>
-        <p:nvSpPr>
-          <p:cNvPr id="28" name="Circular Arrow 27">
-            <a:extLst>
-              <a:ext uri="{FF2B5EF4-FFF2-40B4-BE49-F238E27FC236}">
-                <a16:creationId xmlns:a16="http://schemas.microsoft.com/office/drawing/2014/main" id="{93A59691-BF89-FD72-41B0-804414459681}"/>
-              </a:ext>
-            </a:extLst>
-          </p:cNvPr>
-          <p:cNvSpPr/>
-          <p:nvPr/>
-        </p:nvSpPr>
-        <p:spPr>
-          <a:xfrm rot="5400000">
-            <a:off x="8389995" y="2471386"/>
-            <a:ext cx="667265" cy="1024332"/>
-          </a:xfrm>
-          <a:prstGeom prst="circularArrow">
-            <a:avLst/>
-          </a:prstGeom>
-          <a:gradFill flip="none" rotWithShape="1">
-            <a:gsLst>
-              <a:gs pos="0">
-                <a:srgbClr val="FF0000"/>
-              </a:gs>
-              <a:gs pos="100000">
-                <a:schemeClr val="accent1"/>
-              </a:gs>
-            </a:gsLst>
-            <a:lin ang="0" scaled="1"/>
-            <a:tileRect/>
-          </a:gradFill>
         </p:spPr>
         <p:style>
           <a:lnRef idx="2">
@@ -4341,20 +5054,16 @@
           <a:lstStyle/>
           <a:p>
             <a:pPr algn="ctr"/>
-            <a:endParaRPr lang="en-US">
-              <a:solidFill>
-                <a:schemeClr val="tx1"/>
-              </a:solidFill>
-            </a:endParaRPr>
-          </a:p>
-        </p:txBody>
-      </p:sp>
-      <p:sp>
-        <p:nvSpPr>
-          <p:cNvPr id="29" name="Circular Arrow 28">
-            <a:extLst>
-              <a:ext uri="{FF2B5EF4-FFF2-40B4-BE49-F238E27FC236}">
-                <a16:creationId xmlns:a16="http://schemas.microsoft.com/office/drawing/2014/main" id="{F1AF076F-337B-E442-98A1-A399D066F3A7}"/>
+            <a:endParaRPr lang="en-US"/>
+          </a:p>
+        </p:txBody>
+      </p:sp>
+      <p:sp>
+        <p:nvSpPr>
+          <p:cNvPr id="26" name="Rectangle 25">
+            <a:extLst>
+              <a:ext uri="{FF2B5EF4-FFF2-40B4-BE49-F238E27FC236}">
+                <a16:creationId xmlns:a16="http://schemas.microsoft.com/office/drawing/2014/main" id="{1647BDA1-CDDE-2F3E-5950-AB2116DC6AD3}"/>
               </a:ext>
             </a:extLst>
           </p:cNvPr>
@@ -4362,24 +5071,16 @@
           <p:nvPr/>
         </p:nvSpPr>
         <p:spPr>
-          <a:xfrm rot="16200000">
-            <a:off x="7640847" y="2489921"/>
-            <a:ext cx="667265" cy="1024332"/>
-          </a:xfrm>
-          <a:prstGeom prst="circularArrow">
+          <a:xfrm>
+            <a:off x="8163702" y="1654527"/>
+            <a:ext cx="370703" cy="1298133"/>
+          </a:xfrm>
+          <a:prstGeom prst="rect">
             <a:avLst/>
           </a:prstGeom>
-          <a:gradFill>
-            <a:gsLst>
-              <a:gs pos="100000">
-                <a:srgbClr val="FF0000"/>
-              </a:gs>
-              <a:gs pos="0">
-                <a:schemeClr val="accent1"/>
-              </a:gs>
-            </a:gsLst>
-            <a:lin ang="0" scaled="1"/>
-          </a:gradFill>
+          <a:solidFill>
+            <a:srgbClr val="FF0000"/>
+          </a:solidFill>
         </p:spPr>
         <p:style>
           <a:lnRef idx="2">
@@ -4402,6 +5103,106 @@
           <a:lstStyle/>
           <a:p>
             <a:pPr algn="ctr"/>
+            <a:endParaRPr lang="en-US"/>
+          </a:p>
+        </p:txBody>
+      </p:sp>
+      <p:sp>
+        <p:nvSpPr>
+          <p:cNvPr id="27" name="TextBox 26">
+            <a:extLst>
+              <a:ext uri="{FF2B5EF4-FFF2-40B4-BE49-F238E27FC236}">
+                <a16:creationId xmlns:a16="http://schemas.microsoft.com/office/drawing/2014/main" id="{5FE9362B-8347-6597-01CA-9F5C6CD06B79}"/>
+              </a:ext>
+            </a:extLst>
+          </p:cNvPr>
+          <p:cNvSpPr txBox="1"/>
+          <p:nvPr/>
+        </p:nvSpPr>
+        <p:spPr>
+          <a:xfrm>
+            <a:off x="7713789" y="5279184"/>
+            <a:ext cx="1334530" cy="646331"/>
+          </a:xfrm>
+          <a:prstGeom prst="rect">
+            <a:avLst/>
+          </a:prstGeom>
+          <a:noFill/>
+        </p:spPr>
+        <p:txBody>
+          <a:bodyPr wrap="square" rtlCol="0">
+            <a:spAutoFit/>
+          </a:bodyPr>
+          <a:lstStyle/>
+          <a:p>
+            <a:pPr algn="ctr"/>
+            <a:r>
+              <a:rPr lang="en-US" i="1" dirty="0">
+                <a:solidFill>
+                  <a:schemeClr val="bg1">
+                    <a:lumMod val="65000"/>
+                  </a:schemeClr>
+                </a:solidFill>
+              </a:rPr>
+              <a:t>Middle ground</a:t>
+            </a:r>
+          </a:p>
+        </p:txBody>
+      </p:sp>
+      <p:sp>
+        <p:nvSpPr>
+          <p:cNvPr id="28" name="Circular Arrow 27">
+            <a:extLst>
+              <a:ext uri="{FF2B5EF4-FFF2-40B4-BE49-F238E27FC236}">
+                <a16:creationId xmlns:a16="http://schemas.microsoft.com/office/drawing/2014/main" id="{307055C1-1D1D-AF59-1274-CAE5EF28F0BC}"/>
+              </a:ext>
+            </a:extLst>
+          </p:cNvPr>
+          <p:cNvSpPr/>
+          <p:nvPr/>
+        </p:nvSpPr>
+        <p:spPr>
+          <a:xfrm rot="5400000">
+            <a:off x="8389995" y="2471386"/>
+            <a:ext cx="667265" cy="1024332"/>
+          </a:xfrm>
+          <a:prstGeom prst="circularArrow">
+            <a:avLst/>
+          </a:prstGeom>
+          <a:gradFill flip="none" rotWithShape="1">
+            <a:gsLst>
+              <a:gs pos="0">
+                <a:srgbClr val="FF0000"/>
+              </a:gs>
+              <a:gs pos="100000">
+                <a:schemeClr val="accent1"/>
+              </a:gs>
+            </a:gsLst>
+            <a:lin ang="0" scaled="1"/>
+            <a:tileRect/>
+          </a:gradFill>
+        </p:spPr>
+        <p:style>
+          <a:lnRef idx="2">
+            <a:schemeClr val="accent1">
+              <a:shade val="15000"/>
+            </a:schemeClr>
+          </a:lnRef>
+          <a:fillRef idx="1">
+            <a:schemeClr val="accent1"/>
+          </a:fillRef>
+          <a:effectRef idx="0">
+            <a:schemeClr val="accent1"/>
+          </a:effectRef>
+          <a:fontRef idx="minor">
+            <a:schemeClr val="lt1"/>
+          </a:fontRef>
+        </p:style>
+        <p:txBody>
+          <a:bodyPr rtlCol="0" anchor="ctr"/>
+          <a:lstStyle/>
+          <a:p>
+            <a:pPr algn="ctr"/>
             <a:endParaRPr lang="en-US">
               <a:solidFill>
                 <a:schemeClr val="tx1"/>
@@ -4412,10 +5213,71 @@
       </p:sp>
       <p:sp>
         <p:nvSpPr>
+          <p:cNvPr id="29" name="Circular Arrow 28">
+            <a:extLst>
+              <a:ext uri="{FF2B5EF4-FFF2-40B4-BE49-F238E27FC236}">
+                <a16:creationId xmlns:a16="http://schemas.microsoft.com/office/drawing/2014/main" id="{AD88ED41-4523-C444-793C-59163BC99439}"/>
+              </a:ext>
+            </a:extLst>
+          </p:cNvPr>
+          <p:cNvSpPr/>
+          <p:nvPr/>
+        </p:nvSpPr>
+        <p:spPr>
+          <a:xfrm rot="16200000">
+            <a:off x="7640847" y="2489921"/>
+            <a:ext cx="667265" cy="1024332"/>
+          </a:xfrm>
+          <a:prstGeom prst="circularArrow">
+            <a:avLst/>
+          </a:prstGeom>
+          <a:gradFill>
+            <a:gsLst>
+              <a:gs pos="100000">
+                <a:srgbClr val="FF0000"/>
+              </a:gs>
+              <a:gs pos="0">
+                <a:schemeClr val="accent1"/>
+              </a:gs>
+            </a:gsLst>
+            <a:lin ang="0" scaled="1"/>
+          </a:gradFill>
+        </p:spPr>
+        <p:style>
+          <a:lnRef idx="2">
+            <a:schemeClr val="accent1">
+              <a:shade val="15000"/>
+            </a:schemeClr>
+          </a:lnRef>
+          <a:fillRef idx="1">
+            <a:schemeClr val="accent1"/>
+          </a:fillRef>
+          <a:effectRef idx="0">
+            <a:schemeClr val="accent1"/>
+          </a:effectRef>
+          <a:fontRef idx="minor">
+            <a:schemeClr val="lt1"/>
+          </a:fontRef>
+        </p:style>
+        <p:txBody>
+          <a:bodyPr rtlCol="0" anchor="ctr"/>
+          <a:lstStyle/>
+          <a:p>
+            <a:pPr algn="ctr"/>
+            <a:endParaRPr lang="en-US">
+              <a:solidFill>
+                <a:schemeClr val="tx1"/>
+              </a:solidFill>
+            </a:endParaRPr>
+          </a:p>
+        </p:txBody>
+      </p:sp>
+      <p:sp>
+        <p:nvSpPr>
           <p:cNvPr id="30" name="TextBox 29">
             <a:extLst>
               <a:ext uri="{FF2B5EF4-FFF2-40B4-BE49-F238E27FC236}">
-                <a16:creationId xmlns:a16="http://schemas.microsoft.com/office/drawing/2014/main" id="{AE9DB89A-1D4C-156A-E3BF-FCB6E777E01F}"/>
+                <a16:creationId xmlns:a16="http://schemas.microsoft.com/office/drawing/2014/main" id="{E7FBC751-FD86-4379-ACD6-7155FFF1EF04}"/>
               </a:ext>
             </a:extLst>
           </p:cNvPr>
@@ -4451,7 +5313,7 @@
           <p:cNvPr id="32" name="Straight Connector 31">
             <a:extLst>
               <a:ext uri="{FF2B5EF4-FFF2-40B4-BE49-F238E27FC236}">
-                <a16:creationId xmlns:a16="http://schemas.microsoft.com/office/drawing/2014/main" id="{14CD38E1-AB14-5A98-BF88-C67C935404E6}"/>
+                <a16:creationId xmlns:a16="http://schemas.microsoft.com/office/drawing/2014/main" id="{5F8907D5-F430-28E3-E647-E51CF2E3A181}"/>
               </a:ext>
             </a:extLst>
           </p:cNvPr>
@@ -4495,7 +5357,7 @@
           <p:cNvPr id="34" name="TextBox 33">
             <a:extLst>
               <a:ext uri="{FF2B5EF4-FFF2-40B4-BE49-F238E27FC236}">
-                <a16:creationId xmlns:a16="http://schemas.microsoft.com/office/drawing/2014/main" id="{620C5FEC-F554-F8B1-2F17-39B4CB40C088}"/>
+                <a16:creationId xmlns:a16="http://schemas.microsoft.com/office/drawing/2014/main" id="{43CE4615-BB0B-D9FA-10C1-D23537E67E28}"/>
               </a:ext>
             </a:extLst>
           </p:cNvPr>
@@ -4537,7 +5399,7 @@
           <p:cNvPr id="35" name="TextBox 34">
             <a:extLst>
               <a:ext uri="{FF2B5EF4-FFF2-40B4-BE49-F238E27FC236}">
-                <a16:creationId xmlns:a16="http://schemas.microsoft.com/office/drawing/2014/main" id="{8EE473FD-3A47-6432-B22F-B369B17D04D3}"/>
+                <a16:creationId xmlns:a16="http://schemas.microsoft.com/office/drawing/2014/main" id="{C65AB8A3-4546-CC13-E3E8-6C4C3B8E7212}"/>
               </a:ext>
             </a:extLst>
           </p:cNvPr>
@@ -4579,7 +5441,7 @@
           <p:cNvPr id="36" name="Straight Connector 35">
             <a:extLst>
               <a:ext uri="{FF2B5EF4-FFF2-40B4-BE49-F238E27FC236}">
-                <a16:creationId xmlns:a16="http://schemas.microsoft.com/office/drawing/2014/main" id="{60FB22A0-E12C-EB85-F27E-0079E3762718}"/>
+                <a16:creationId xmlns:a16="http://schemas.microsoft.com/office/drawing/2014/main" id="{0331721E-91EA-D3E0-F49F-1D9A7319F0D6}"/>
               </a:ext>
             </a:extLst>
           </p:cNvPr>
@@ -4623,7 +5485,7 @@
           <p:cNvPr id="39" name="Straight Connector 38">
             <a:extLst>
               <a:ext uri="{FF2B5EF4-FFF2-40B4-BE49-F238E27FC236}">
-                <a16:creationId xmlns:a16="http://schemas.microsoft.com/office/drawing/2014/main" id="{5EDB930E-561A-8647-CF0A-E94689CCEDBC}"/>
+                <a16:creationId xmlns:a16="http://schemas.microsoft.com/office/drawing/2014/main" id="{27932EEC-B6C3-8DE0-8161-164BB0A608E5}"/>
               </a:ext>
             </a:extLst>
           </p:cNvPr>
@@ -4667,7 +5529,7 @@
           <p:cNvPr id="43" name="TextBox 42">
             <a:extLst>
               <a:ext uri="{FF2B5EF4-FFF2-40B4-BE49-F238E27FC236}">
-                <a16:creationId xmlns:a16="http://schemas.microsoft.com/office/drawing/2014/main" id="{12DC0244-33B0-FE47-7961-C883EB315E04}"/>
+                <a16:creationId xmlns:a16="http://schemas.microsoft.com/office/drawing/2014/main" id="{2AA6A1E2-D090-37DA-B04D-9C10A5C43E2C}"/>
               </a:ext>
             </a:extLst>
           </p:cNvPr>
@@ -4706,7 +5568,7 @@
           <p:cNvPr id="44" name="TextBox 43">
             <a:extLst>
               <a:ext uri="{FF2B5EF4-FFF2-40B4-BE49-F238E27FC236}">
-                <a16:creationId xmlns:a16="http://schemas.microsoft.com/office/drawing/2014/main" id="{EF048CF5-B49C-71BA-C2B0-47DAA3DA7A97}"/>
+                <a16:creationId xmlns:a16="http://schemas.microsoft.com/office/drawing/2014/main" id="{920005D2-6B4E-F0F2-58A1-6638D49E7F43}"/>
               </a:ext>
             </a:extLst>
           </p:cNvPr>
@@ -4745,7 +5607,7 @@
           <p:cNvPr id="45" name="TextBox 44">
             <a:extLst>
               <a:ext uri="{FF2B5EF4-FFF2-40B4-BE49-F238E27FC236}">
-                <a16:creationId xmlns:a16="http://schemas.microsoft.com/office/drawing/2014/main" id="{3E6A538C-75F5-5063-7358-864B156A1147}"/>
+                <a16:creationId xmlns:a16="http://schemas.microsoft.com/office/drawing/2014/main" id="{BCCFA67D-311A-3E87-E8A8-D64028A53E8B}"/>
               </a:ext>
             </a:extLst>
           </p:cNvPr>
@@ -4780,7 +5642,7 @@
           <p:cNvPr id="46" name="TextBox 45">
             <a:extLst>
               <a:ext uri="{FF2B5EF4-FFF2-40B4-BE49-F238E27FC236}">
-                <a16:creationId xmlns:a16="http://schemas.microsoft.com/office/drawing/2014/main" id="{B45A86B2-0122-44E3-046F-5F663A478A0C}"/>
+                <a16:creationId xmlns:a16="http://schemas.microsoft.com/office/drawing/2014/main" id="{BECBFE89-709A-1EF1-5917-55C7235092A4}"/>
               </a:ext>
             </a:extLst>
           </p:cNvPr>
@@ -4815,7 +5677,7 @@
           <p:cNvPr id="48" name="TextBox 47">
             <a:extLst>
               <a:ext uri="{FF2B5EF4-FFF2-40B4-BE49-F238E27FC236}">
-                <a16:creationId xmlns:a16="http://schemas.microsoft.com/office/drawing/2014/main" id="{02123B1C-374E-8C79-6604-A8272DDEC807}"/>
+                <a16:creationId xmlns:a16="http://schemas.microsoft.com/office/drawing/2014/main" id="{4510C3DD-DDB1-568E-8C2F-355F2B417C5A}"/>
               </a:ext>
             </a:extLst>
           </p:cNvPr>
@@ -4850,7 +5712,7 @@
           <p:cNvPr id="49" name="TextBox 48">
             <a:extLst>
               <a:ext uri="{FF2B5EF4-FFF2-40B4-BE49-F238E27FC236}">
-                <a16:creationId xmlns:a16="http://schemas.microsoft.com/office/drawing/2014/main" id="{980CA16D-1CDB-6A81-9CD9-B9192C378A0D}"/>
+                <a16:creationId xmlns:a16="http://schemas.microsoft.com/office/drawing/2014/main" id="{21093792-EFE7-700F-EE4E-DD999C301854}"/>
               </a:ext>
             </a:extLst>
           </p:cNvPr>
@@ -4899,7 +5761,7 @@
           <p:cNvPr id="50" name="TextBox 49">
             <a:extLst>
               <a:ext uri="{FF2B5EF4-FFF2-40B4-BE49-F238E27FC236}">
-                <a16:creationId xmlns:a16="http://schemas.microsoft.com/office/drawing/2014/main" id="{C1E153F0-2DD1-B72C-8CD7-BB40CDF5F0C9}"/>
+                <a16:creationId xmlns:a16="http://schemas.microsoft.com/office/drawing/2014/main" id="{0A65BFC1-32A2-6BE6-D3C0-5E4691558DCA}"/>
               </a:ext>
             </a:extLst>
           </p:cNvPr>
@@ -4948,7 +5810,7 @@
           <p:cNvPr id="51" name="TextBox 50">
             <a:extLst>
               <a:ext uri="{FF2B5EF4-FFF2-40B4-BE49-F238E27FC236}">
-                <a16:creationId xmlns:a16="http://schemas.microsoft.com/office/drawing/2014/main" id="{48F08272-28E8-8ADF-5EAC-877EE2FFB1D7}"/>
+                <a16:creationId xmlns:a16="http://schemas.microsoft.com/office/drawing/2014/main" id="{67ECCDAB-6181-F004-38C8-DE2B85BFDC57}"/>
               </a:ext>
             </a:extLst>
           </p:cNvPr>
@@ -4983,7 +5845,7 @@
           <p:cNvPr id="52" name="TextBox 51">
             <a:extLst>
               <a:ext uri="{FF2B5EF4-FFF2-40B4-BE49-F238E27FC236}">
-                <a16:creationId xmlns:a16="http://schemas.microsoft.com/office/drawing/2014/main" id="{BAF6906C-2D4A-7271-7E2A-FEE5F17CCA09}"/>
+                <a16:creationId xmlns:a16="http://schemas.microsoft.com/office/drawing/2014/main" id="{66FB6B31-2EBF-8200-B3B9-AC798EAE82A9}"/>
               </a:ext>
             </a:extLst>
           </p:cNvPr>
@@ -5018,7 +5880,7 @@
           <p:cNvPr id="53" name="TextBox 52">
             <a:extLst>
               <a:ext uri="{FF2B5EF4-FFF2-40B4-BE49-F238E27FC236}">
-                <a16:creationId xmlns:a16="http://schemas.microsoft.com/office/drawing/2014/main" id="{7F9A8190-2EEF-8A71-E14D-AEB42BA97366}"/>
+                <a16:creationId xmlns:a16="http://schemas.microsoft.com/office/drawing/2014/main" id="{723F091E-F7CA-56B3-1CB0-DDA7DDCE557D}"/>
               </a:ext>
             </a:extLst>
           </p:cNvPr>
@@ -5053,7 +5915,7 @@
           <p:cNvPr id="54" name="TextBox 53">
             <a:extLst>
               <a:ext uri="{FF2B5EF4-FFF2-40B4-BE49-F238E27FC236}">
-                <a16:creationId xmlns:a16="http://schemas.microsoft.com/office/drawing/2014/main" id="{275A59CB-FD2C-6FFB-C334-0F33C7F33824}"/>
+                <a16:creationId xmlns:a16="http://schemas.microsoft.com/office/drawing/2014/main" id="{D3E94BCB-2ADD-FAD5-8CB2-1AEB1EE2C6B7}"/>
               </a:ext>
             </a:extLst>
           </p:cNvPr>
@@ -5096,7 +5958,7 @@
           <p:cNvPr id="55" name="Rectangle 54">
             <a:extLst>
               <a:ext uri="{FF2B5EF4-FFF2-40B4-BE49-F238E27FC236}">
-                <a16:creationId xmlns:a16="http://schemas.microsoft.com/office/drawing/2014/main" id="{83691967-7461-9EF8-37BD-8C36A16BDD2D}"/>
+                <a16:creationId xmlns:a16="http://schemas.microsoft.com/office/drawing/2014/main" id="{2EDB48F6-E1FC-5368-B967-0EF33FE26A3E}"/>
               </a:ext>
             </a:extLst>
           </p:cNvPr>
@@ -5143,7 +6005,7 @@
           <p:cNvPr id="56" name="TextBox 55">
             <a:extLst>
               <a:ext uri="{FF2B5EF4-FFF2-40B4-BE49-F238E27FC236}">
-                <a16:creationId xmlns:a16="http://schemas.microsoft.com/office/drawing/2014/main" id="{C518E480-59DD-E5F6-E9D1-C5114C859CA2}"/>
+                <a16:creationId xmlns:a16="http://schemas.microsoft.com/office/drawing/2014/main" id="{72875C50-2B44-76A3-9EF6-737C4AAE7152}"/>
               </a:ext>
             </a:extLst>
           </p:cNvPr>
@@ -5176,7 +6038,7 @@
     </p:spTree>
     <p:extLst>
       <p:ext uri="{BB962C8B-B14F-4D97-AF65-F5344CB8AC3E}">
-        <p14:creationId xmlns:p14="http://schemas.microsoft.com/office/powerpoint/2010/main" val="1610235401"/>
+        <p14:creationId xmlns:p14="http://schemas.microsoft.com/office/powerpoint/2010/main" val="1985990166"/>
       </p:ext>
     </p:extLst>
   </p:cSld>
@@ -5499,4 +6361,319 @@
     </a:ext>
   </a:extLst>
 </a:theme>
+</file>
+
+<file path=ppt/theme/theme2.xml><?xml version="1.0" encoding="utf-8"?>
+<a:theme xmlns:a="http://schemas.openxmlformats.org/drawingml/2006/main" name="Office Theme">
+  <a:themeElements>
+    <a:clrScheme name="Office">
+      <a:dk1>
+        <a:sysClr val="windowText" lastClr="000000"/>
+      </a:dk1>
+      <a:lt1>
+        <a:sysClr val="window" lastClr="FFFFFF"/>
+      </a:lt1>
+      <a:dk2>
+        <a:srgbClr val="0E2841"/>
+      </a:dk2>
+      <a:lt2>
+        <a:srgbClr val="E8E8E8"/>
+      </a:lt2>
+      <a:accent1>
+        <a:srgbClr val="156082"/>
+      </a:accent1>
+      <a:accent2>
+        <a:srgbClr val="E97132"/>
+      </a:accent2>
+      <a:accent3>
+        <a:srgbClr val="196B24"/>
+      </a:accent3>
+      <a:accent4>
+        <a:srgbClr val="0F9ED5"/>
+      </a:accent4>
+      <a:accent5>
+        <a:srgbClr val="A02B93"/>
+      </a:accent5>
+      <a:accent6>
+        <a:srgbClr val="4EA72E"/>
+      </a:accent6>
+      <a:hlink>
+        <a:srgbClr val="467886"/>
+      </a:hlink>
+      <a:folHlink>
+        <a:srgbClr val="96607D"/>
+      </a:folHlink>
+    </a:clrScheme>
+    <a:fontScheme name="Office">
+      <a:majorFont>
+        <a:latin typeface="Aptos Display" panose="02110004020202020204"/>
+        <a:ea typeface=""/>
+        <a:cs typeface=""/>
+        <a:font script="Jpan" typeface="游ゴシック Light"/>
+        <a:font script="Hang" typeface="맑은 고딕"/>
+        <a:font script="Hans" typeface="等线 Light"/>
+        <a:font script="Hant" typeface="新細明體"/>
+        <a:font script="Arab" typeface="Times New Roman"/>
+        <a:font script="Hebr" typeface="Times New Roman"/>
+        <a:font script="Thai" typeface="Angsana New"/>
+        <a:font script="Ethi" typeface="Nyala"/>
+        <a:font script="Beng" typeface="Vrinda"/>
+        <a:font script="Gujr" typeface="Shruti"/>
+        <a:font script="Khmr" typeface="MoolBoran"/>
+        <a:font script="Knda" typeface="Tunga"/>
+        <a:font script="Guru" typeface="Raavi"/>
+        <a:font script="Cans" typeface="Euphemia"/>
+        <a:font script="Cher" typeface="Plantagenet Cherokee"/>
+        <a:font script="Yiii" typeface="Microsoft Yi Baiti"/>
+        <a:font script="Tibt" typeface="Microsoft Himalaya"/>
+        <a:font script="Thaa" typeface="MV Boli"/>
+        <a:font script="Deva" typeface="Mangal"/>
+        <a:font script="Telu" typeface="Gautami"/>
+        <a:font script="Taml" typeface="Latha"/>
+        <a:font script="Syrc" typeface="Estrangelo Edessa"/>
+        <a:font script="Orya" typeface="Kalinga"/>
+        <a:font script="Mlym" typeface="Kartika"/>
+        <a:font script="Laoo" typeface="DokChampa"/>
+        <a:font script="Sinh" typeface="Iskoola Pota"/>
+        <a:font script="Mong" typeface="Mongolian Baiti"/>
+        <a:font script="Viet" typeface="Times New Roman"/>
+        <a:font script="Uigh" typeface="Microsoft Uighur"/>
+        <a:font script="Geor" typeface="Sylfaen"/>
+        <a:font script="Armn" typeface="Arial"/>
+        <a:font script="Bugi" typeface="Leelawadee UI"/>
+        <a:font script="Bopo" typeface="Microsoft JhengHei"/>
+        <a:font script="Java" typeface="Javanese Text"/>
+        <a:font script="Lisu" typeface="Segoe UI"/>
+        <a:font script="Mymr" typeface="Myanmar Text"/>
+        <a:font script="Nkoo" typeface="Ebrima"/>
+        <a:font script="Olck" typeface="Nirmala UI"/>
+        <a:font script="Osma" typeface="Ebrima"/>
+        <a:font script="Phag" typeface="Phagspa"/>
+        <a:font script="Syrn" typeface="Estrangelo Edessa"/>
+        <a:font script="Syrj" typeface="Estrangelo Edessa"/>
+        <a:font script="Syre" typeface="Estrangelo Edessa"/>
+        <a:font script="Sora" typeface="Nirmala UI"/>
+        <a:font script="Tale" typeface="Microsoft Tai Le"/>
+        <a:font script="Talu" typeface="Microsoft New Tai Lue"/>
+        <a:font script="Tfng" typeface="Ebrima"/>
+      </a:majorFont>
+      <a:minorFont>
+        <a:latin typeface="Aptos" panose="02110004020202020204"/>
+        <a:ea typeface=""/>
+        <a:cs typeface=""/>
+        <a:font script="Jpan" typeface="游ゴシック"/>
+        <a:font script="Hang" typeface="맑은 고딕"/>
+        <a:font script="Hans" typeface="等线"/>
+        <a:font script="Hant" typeface="新細明體"/>
+        <a:font script="Arab" typeface="Arial"/>
+        <a:font script="Hebr" typeface="Arial"/>
+        <a:font script="Thai" typeface="Cordia New"/>
+        <a:font script="Ethi" typeface="Nyala"/>
+        <a:font script="Beng" typeface="Vrinda"/>
+        <a:font script="Gujr" typeface="Shruti"/>
+        <a:font script="Khmr" typeface="DaunPenh"/>
+        <a:font script="Knda" typeface="Tunga"/>
+        <a:font script="Guru" typeface="Raavi"/>
+        <a:font script="Cans" typeface="Euphemia"/>
+        <a:font script="Cher" typeface="Plantagenet Cherokee"/>
+        <a:font script="Yiii" typeface="Microsoft Yi Baiti"/>
+        <a:font script="Tibt" typeface="Microsoft Himalaya"/>
+        <a:font script="Thaa" typeface="MV Boli"/>
+        <a:font script="Deva" typeface="Mangal"/>
+        <a:font script="Telu" typeface="Gautami"/>
+        <a:font script="Taml" typeface="Latha"/>
+        <a:font script="Syrc" typeface="Estrangelo Edessa"/>
+        <a:font script="Orya" typeface="Kalinga"/>
+        <a:font script="Mlym" typeface="Kartika"/>
+        <a:font script="Laoo" typeface="DokChampa"/>
+        <a:font script="Sinh" typeface="Iskoola Pota"/>
+        <a:font script="Mong" typeface="Mongolian Baiti"/>
+        <a:font script="Viet" typeface="Arial"/>
+        <a:font script="Uigh" typeface="Microsoft Uighur"/>
+        <a:font script="Geor" typeface="Sylfaen"/>
+        <a:font script="Armn" typeface="Arial"/>
+        <a:font script="Bugi" typeface="Leelawadee UI"/>
+        <a:font script="Bopo" typeface="Microsoft JhengHei"/>
+        <a:font script="Java" typeface="Javanese Text"/>
+        <a:font script="Lisu" typeface="Segoe UI"/>
+        <a:font script="Mymr" typeface="Myanmar Text"/>
+        <a:font script="Nkoo" typeface="Ebrima"/>
+        <a:font script="Olck" typeface="Nirmala UI"/>
+        <a:font script="Osma" typeface="Ebrima"/>
+        <a:font script="Phag" typeface="Phagspa"/>
+        <a:font script="Syrn" typeface="Estrangelo Edessa"/>
+        <a:font script="Syrj" typeface="Estrangelo Edessa"/>
+        <a:font script="Syre" typeface="Estrangelo Edessa"/>
+        <a:font script="Sora" typeface="Nirmala UI"/>
+        <a:font script="Tale" typeface="Microsoft Tai Le"/>
+        <a:font script="Talu" typeface="Microsoft New Tai Lue"/>
+        <a:font script="Tfng" typeface="Ebrima"/>
+      </a:minorFont>
+    </a:fontScheme>
+    <a:fmtScheme name="Office">
+      <a:fillStyleLst>
+        <a:solidFill>
+          <a:schemeClr val="phClr"/>
+        </a:solidFill>
+        <a:gradFill rotWithShape="1">
+          <a:gsLst>
+            <a:gs pos="0">
+              <a:schemeClr val="phClr">
+                <a:lumMod val="110000"/>
+                <a:satMod val="105000"/>
+                <a:tint val="67000"/>
+              </a:schemeClr>
+            </a:gs>
+            <a:gs pos="50000">
+              <a:schemeClr val="phClr">
+                <a:lumMod val="105000"/>
+                <a:satMod val="103000"/>
+                <a:tint val="73000"/>
+              </a:schemeClr>
+            </a:gs>
+            <a:gs pos="100000">
+              <a:schemeClr val="phClr">
+                <a:lumMod val="105000"/>
+                <a:satMod val="109000"/>
+                <a:tint val="81000"/>
+              </a:schemeClr>
+            </a:gs>
+          </a:gsLst>
+          <a:lin ang="5400000" scaled="0"/>
+        </a:gradFill>
+        <a:gradFill rotWithShape="1">
+          <a:gsLst>
+            <a:gs pos="0">
+              <a:schemeClr val="phClr">
+                <a:satMod val="103000"/>
+                <a:lumMod val="102000"/>
+                <a:tint val="94000"/>
+              </a:schemeClr>
+            </a:gs>
+            <a:gs pos="50000">
+              <a:schemeClr val="phClr">
+                <a:satMod val="110000"/>
+                <a:lumMod val="100000"/>
+                <a:shade val="100000"/>
+              </a:schemeClr>
+            </a:gs>
+            <a:gs pos="100000">
+              <a:schemeClr val="phClr">
+                <a:lumMod val="99000"/>
+                <a:satMod val="120000"/>
+                <a:shade val="78000"/>
+              </a:schemeClr>
+            </a:gs>
+          </a:gsLst>
+          <a:lin ang="5400000" scaled="0"/>
+        </a:gradFill>
+      </a:fillStyleLst>
+      <a:lnStyleLst>
+        <a:ln w="12700" cap="flat" cmpd="sng" algn="ctr">
+          <a:solidFill>
+            <a:schemeClr val="phClr"/>
+          </a:solidFill>
+          <a:prstDash val="solid"/>
+          <a:miter lim="800000"/>
+        </a:ln>
+        <a:ln w="19050" cap="flat" cmpd="sng" algn="ctr">
+          <a:solidFill>
+            <a:schemeClr val="phClr"/>
+          </a:solidFill>
+          <a:prstDash val="solid"/>
+          <a:miter lim="800000"/>
+        </a:ln>
+        <a:ln w="25400" cap="flat" cmpd="sng" algn="ctr">
+          <a:solidFill>
+            <a:schemeClr val="phClr"/>
+          </a:solidFill>
+          <a:prstDash val="solid"/>
+          <a:miter lim="800000"/>
+        </a:ln>
+      </a:lnStyleLst>
+      <a:effectStyleLst>
+        <a:effectStyle>
+          <a:effectLst/>
+        </a:effectStyle>
+        <a:effectStyle>
+          <a:effectLst/>
+        </a:effectStyle>
+        <a:effectStyle>
+          <a:effectLst>
+            <a:outerShdw blurRad="57150" dist="19050" dir="5400000" algn="ctr" rotWithShape="0">
+              <a:srgbClr val="000000">
+                <a:alpha val="63000"/>
+              </a:srgbClr>
+            </a:outerShdw>
+          </a:effectLst>
+        </a:effectStyle>
+      </a:effectStyleLst>
+      <a:bgFillStyleLst>
+        <a:solidFill>
+          <a:schemeClr val="phClr"/>
+        </a:solidFill>
+        <a:solidFill>
+          <a:schemeClr val="phClr">
+            <a:tint val="95000"/>
+            <a:satMod val="170000"/>
+          </a:schemeClr>
+        </a:solidFill>
+        <a:gradFill rotWithShape="1">
+          <a:gsLst>
+            <a:gs pos="0">
+              <a:schemeClr val="phClr">
+                <a:tint val="93000"/>
+                <a:satMod val="150000"/>
+                <a:shade val="98000"/>
+                <a:lumMod val="102000"/>
+              </a:schemeClr>
+            </a:gs>
+            <a:gs pos="50000">
+              <a:schemeClr val="phClr">
+                <a:tint val="98000"/>
+                <a:satMod val="130000"/>
+                <a:shade val="90000"/>
+                <a:lumMod val="103000"/>
+              </a:schemeClr>
+            </a:gs>
+            <a:gs pos="100000">
+              <a:schemeClr val="phClr">
+                <a:shade val="63000"/>
+                <a:satMod val="120000"/>
+              </a:schemeClr>
+            </a:gs>
+          </a:gsLst>
+          <a:lin ang="5400000" scaled="0"/>
+        </a:gradFill>
+      </a:bgFillStyleLst>
+    </a:fmtScheme>
+  </a:themeElements>
+  <a:objectDefaults>
+    <a:lnDef>
+      <a:spPr/>
+      <a:bodyPr/>
+      <a:lstStyle/>
+      <a:style>
+        <a:lnRef idx="2">
+          <a:schemeClr val="accent1"/>
+        </a:lnRef>
+        <a:fillRef idx="0">
+          <a:schemeClr val="accent1"/>
+        </a:fillRef>
+        <a:effectRef idx="1">
+          <a:schemeClr val="accent1"/>
+        </a:effectRef>
+        <a:fontRef idx="minor">
+          <a:schemeClr val="tx1"/>
+        </a:fontRef>
+      </a:style>
+    </a:lnDef>
+  </a:objectDefaults>
+  <a:extraClrSchemeLst/>
+  <a:extLst>
+    <a:ext uri="{05A4C25C-085E-4340-85A3-A5531E510DB2}">
+      <thm15:themeFamily xmlns:thm15="http://schemas.microsoft.com/office/thememl/2012/main" name="Office Theme" id="{2E142A2C-CD16-42D6-873A-C26D2A0506FA}" vid="{1BDDFF52-6CD6-40A5-AB3C-68EB2F1E4D0A}"/>
+    </a:ext>
+  </a:extLst>
+</a:theme>
 </file>